--- a/html/class/lesson_five/lesson_five.pptx
+++ b/html/class/lesson_five/lesson_five.pptx
@@ -10,19 +10,18 @@
   <p:sldIdLst>
     <p:sldId id="607" r:id="rId3"/>
     <p:sldId id="951" r:id="rId5"/>
-    <p:sldId id="949" r:id="rId6"/>
+    <p:sldId id="996" r:id="rId6"/>
     <p:sldId id="997" r:id="rId7"/>
-    <p:sldId id="996" r:id="rId8"/>
-    <p:sldId id="995" r:id="rId9"/>
-    <p:sldId id="1006" r:id="rId10"/>
-    <p:sldId id="992" r:id="rId11"/>
-    <p:sldId id="1017" r:id="rId12"/>
-    <p:sldId id="1013" r:id="rId13"/>
-    <p:sldId id="1014" r:id="rId14"/>
-    <p:sldId id="1015" r:id="rId15"/>
-    <p:sldId id="1016" r:id="rId16"/>
-    <p:sldId id="970" r:id="rId17"/>
-    <p:sldId id="953" r:id="rId18"/>
+    <p:sldId id="995" r:id="rId8"/>
+    <p:sldId id="1006" r:id="rId9"/>
+    <p:sldId id="992" r:id="rId10"/>
+    <p:sldId id="1017" r:id="rId11"/>
+    <p:sldId id="1013" r:id="rId12"/>
+    <p:sldId id="1014" r:id="rId13"/>
+    <p:sldId id="1015" r:id="rId14"/>
+    <p:sldId id="1016" r:id="rId15"/>
+    <p:sldId id="970" r:id="rId16"/>
+    <p:sldId id="953" r:id="rId17"/>
   </p:sldIdLst>
   <p:sldSz cx="9144000" cy="5143500" type="screen16x9"/>
   <p:notesSz cx="6858000" cy="9144000"/>
@@ -847,7 +846,7 @@
           <a:bodyPr/>
           <a:lstStyle/>
           <a:p>
-            <a:endParaRPr lang="zh-CN" altLang="en-US"/>
+            <a:endParaRPr lang="zh-CN" altLang="en-US" dirty="0"/>
           </a:p>
         </p:txBody>
       </p:sp>
@@ -866,10 +865,18 @@
           <a:bodyPr/>
           <a:lstStyle/>
           <a:p>
-            <a:fld id="{66F12646-107E-4EAD-9573-39087FBC2611}" type="slidenum">
-              <a:rPr lang="zh-CN" altLang="en-US" smtClean="0"/>
+            <a:fld id="{AB2A0F9D-3357-4A94-85C8-3B842B870DC6}" type="slidenum">
+              <a:rPr lang="zh-CN" altLang="en-US" smtClean="0">
+                <a:solidFill>
+                  <a:prstClr val="black"/>
+                </a:solidFill>
+              </a:rPr>
             </a:fld>
-            <a:endParaRPr lang="zh-CN" altLang="en-US"/>
+            <a:endParaRPr lang="zh-CN" altLang="en-US">
+              <a:solidFill>
+                <a:prstClr val="black"/>
+              </a:solidFill>
+            </a:endParaRPr>
           </a:p>
         </p:txBody>
       </p:sp>
@@ -882,92 +889,6 @@
 </file>
 
 <file path=ppt/notesSlides/notesSlide14.xml><?xml version="1.0" encoding="utf-8"?>
-<p:notes xmlns:a="http://schemas.openxmlformats.org/drawingml/2006/main" xmlns:r="http://schemas.openxmlformats.org/officeDocument/2006/relationships" xmlns:p="http://schemas.openxmlformats.org/presentationml/2006/main">
-  <p:cSld>
-    <p:spTree>
-      <p:nvGrpSpPr>
-        <p:cNvPr id="1" name=""/>
-        <p:cNvGrpSpPr/>
-        <p:nvPr/>
-      </p:nvGrpSpPr>
-      <p:grpSpPr>
-        <a:xfrm>
-          <a:off x="0" y="0"/>
-          <a:ext cx="0" cy="0"/>
-          <a:chOff x="0" y="0"/>
-          <a:chExt cx="0" cy="0"/>
-        </a:xfrm>
-      </p:grpSpPr>
-      <p:sp>
-        <p:nvSpPr>
-          <p:cNvPr id="2" name="幻灯片图像占位符 1"/>
-          <p:cNvSpPr>
-            <a:spLocks noGrp="1" noRot="1" noChangeAspect="1"/>
-          </p:cNvSpPr>
-          <p:nvPr>
-            <p:ph type="sldImg"/>
-          </p:nvPr>
-        </p:nvSpPr>
-        <p:spPr/>
-      </p:sp>
-      <p:sp>
-        <p:nvSpPr>
-          <p:cNvPr id="3" name="备注占位符 2"/>
-          <p:cNvSpPr>
-            <a:spLocks noGrp="1"/>
-          </p:cNvSpPr>
-          <p:nvPr>
-            <p:ph type="body" idx="1"/>
-          </p:nvPr>
-        </p:nvSpPr>
-        <p:spPr/>
-        <p:txBody>
-          <a:bodyPr/>
-          <a:lstStyle/>
-          <a:p>
-            <a:endParaRPr lang="zh-CN" altLang="en-US" dirty="0"/>
-          </a:p>
-        </p:txBody>
-      </p:sp>
-      <p:sp>
-        <p:nvSpPr>
-          <p:cNvPr id="4" name="灯片编号占位符 3"/>
-          <p:cNvSpPr>
-            <a:spLocks noGrp="1"/>
-          </p:cNvSpPr>
-          <p:nvPr>
-            <p:ph type="sldNum" sz="quarter" idx="10"/>
-          </p:nvPr>
-        </p:nvSpPr>
-        <p:spPr/>
-        <p:txBody>
-          <a:bodyPr/>
-          <a:lstStyle/>
-          <a:p>
-            <a:fld id="{AB2A0F9D-3357-4A94-85C8-3B842B870DC6}" type="slidenum">
-              <a:rPr lang="zh-CN" altLang="en-US" smtClean="0">
-                <a:solidFill>
-                  <a:prstClr val="black"/>
-                </a:solidFill>
-              </a:rPr>
-            </a:fld>
-            <a:endParaRPr lang="zh-CN" altLang="en-US">
-              <a:solidFill>
-                <a:prstClr val="black"/>
-              </a:solidFill>
-            </a:endParaRPr>
-          </a:p>
-        </p:txBody>
-      </p:sp>
-    </p:spTree>
-  </p:cSld>
-  <p:clrMapOvr>
-    <a:masterClrMapping/>
-  </p:clrMapOvr>
-</p:notes>
-</file>
-
-<file path=ppt/notesSlides/notesSlide15.xml><?xml version="1.0" encoding="utf-8"?>
 <p:notes xmlns:a="http://schemas.openxmlformats.org/drawingml/2006/main" xmlns:r="http://schemas.openxmlformats.org/officeDocument/2006/relationships" xmlns:p="http://schemas.openxmlformats.org/presentationml/2006/main">
   <p:cSld>
     <p:spTree>
@@ -7271,7 +7192,7 @@
         <p:spPr>
           <a:xfrm>
             <a:off x="4456102" y="1554669"/>
-            <a:ext cx="3488455" cy="707886"/>
+            <a:ext cx="3454400" cy="706755"/>
           </a:xfrm>
           <a:prstGeom prst="rect">
             <a:avLst/>
@@ -7312,7 +7233,7 @@
                 <a:latin typeface="微软雅黑" panose="020B0503020204020204" pitchFamily="34" charset="-122"/>
                 <a:ea typeface="微软雅黑" panose="020B0503020204020204" pitchFamily="34" charset="-122"/>
               </a:rPr>
-              <a:t>第四课</a:t>
+              <a:t>第五课</a:t>
             </a:r>
             <a:endParaRPr lang="zh-CN" altLang="en-US" sz="4000" b="1" dirty="0">
               <a:solidFill>
@@ -7897,26 +7818,16 @@
           <a:p>
             <a:pPr algn="ctr"/>
             <a:r>
-              <a:rPr lang="en-US" altLang="zh-CN" sz="2800" b="1" dirty="0">
+              <a:rPr lang="zh-CN" sz="2800" b="1" dirty="0">
                 <a:solidFill>
                   <a:srgbClr val="FFC000"/>
                 </a:solidFill>
                 <a:latin typeface="仿宋" panose="02010609060101010101" pitchFamily="49" charset="-122"/>
                 <a:ea typeface="仿宋" panose="02010609060101010101" pitchFamily="49" charset="-122"/>
               </a:rPr>
-              <a:t>Input</a:t>
-            </a:r>
-            <a:r>
-              <a:rPr lang="zh-CN" altLang="en-US" sz="2800" b="1" dirty="0">
-                <a:solidFill>
-                  <a:srgbClr val="FFC000"/>
-                </a:solidFill>
-                <a:latin typeface="仿宋" panose="02010609060101010101" pitchFamily="49" charset="-122"/>
-                <a:ea typeface="仿宋" panose="02010609060101010101" pitchFamily="49" charset="-122"/>
-              </a:rPr>
-              <a:t>标签介绍</a:t>
-            </a:r>
-            <a:endParaRPr lang="zh-CN" altLang="en-US" sz="2800" b="1" dirty="0">
+              <a:t>文字属性介绍</a:t>
+            </a:r>
+            <a:endParaRPr lang="zh-CN" sz="2800" b="1" dirty="0">
               <a:solidFill>
                 <a:srgbClr val="FFC000"/>
               </a:solidFill>
@@ -7934,8 +7845,8 @@
         </p:nvSpPr>
         <p:spPr>
           <a:xfrm>
-            <a:off x="1545590" y="1526540"/>
-            <a:ext cx="6863715" cy="3169285"/>
+            <a:off x="839470" y="1526540"/>
+            <a:ext cx="7828915" cy="1938020"/>
           </a:xfrm>
           <a:prstGeom prst="rect">
             <a:avLst/>
@@ -7958,7 +7869,7 @@
                 <a:ea typeface="微软雅黑" panose="020B0503020204020204" pitchFamily="34" charset="-122"/>
                 <a:cs typeface="华文楷体" panose="02010600040101010101" charset="-122"/>
               </a:rPr>
-              <a:t>&lt;input type=”text” name=”name”/&gt;</a:t>
+              <a:t>font	在一个声明中设置所有字体属性。	1</a:t>
             </a:r>
             <a:endParaRPr lang="en-US" sz="2000" b="1" dirty="0">
               <a:solidFill>
@@ -7971,6 +7882,17 @@
           </a:p>
           <a:p>
             <a:pPr algn="l"/>
+            <a:r>
+              <a:rPr lang="en-US" sz="2000" b="1" dirty="0">
+                <a:solidFill>
+                  <a:srgbClr val="FFC000"/>
+                </a:solidFill>
+                <a:latin typeface="微软雅黑" panose="020B0503020204020204" pitchFamily="34" charset="-122"/>
+                <a:ea typeface="微软雅黑" panose="020B0503020204020204" pitchFamily="34" charset="-122"/>
+                <a:cs typeface="华文楷体" panose="02010600040101010101" charset="-122"/>
+              </a:rPr>
+              <a:t>font-family	规定文本的字体系列。	1</a:t>
+            </a:r>
             <a:endParaRPr lang="en-US" sz="2000" b="1" dirty="0">
               <a:solidFill>
                 <a:srgbClr val="FFC000"/>
@@ -7990,22 +7912,9 @@
                 <a:latin typeface="微软雅黑" panose="020B0503020204020204" pitchFamily="34" charset="-122"/>
                 <a:ea typeface="微软雅黑" panose="020B0503020204020204" pitchFamily="34" charset="-122"/>
                 <a:cs typeface="华文楷体" panose="02010600040101010101" charset="-122"/>
-                <a:sym typeface="+mn-ea"/>
               </a:rPr>
-              <a:t>&lt;input type=”text” name=”name”/&gt;</a:t>
-            </a:r>
-            <a:endParaRPr lang="en-US" sz="2000" b="1" dirty="0">
-              <a:solidFill>
-                <a:srgbClr val="FFC000"/>
-              </a:solidFill>
-              <a:latin typeface="微软雅黑" panose="020B0503020204020204" pitchFamily="34" charset="-122"/>
-              <a:ea typeface="微软雅黑" panose="020B0503020204020204" pitchFamily="34" charset="-122"/>
-              <a:cs typeface="华文楷体" panose="02010600040101010101" charset="-122"/>
-              <a:sym typeface="+mn-ea"/>
-            </a:endParaRPr>
-          </a:p>
-          <a:p>
-            <a:pPr algn="l"/>
+              <a:t>font-size	规定文本的字体尺寸。	1默认16px;设置的是字体的高</a:t>
+            </a:r>
             <a:endParaRPr lang="en-US" sz="2000" b="1" dirty="0">
               <a:solidFill>
                 <a:srgbClr val="FFC000"/>
@@ -8025,22 +7934,9 @@
                 <a:latin typeface="微软雅黑" panose="020B0503020204020204" pitchFamily="34" charset="-122"/>
                 <a:ea typeface="微软雅黑" panose="020B0503020204020204" pitchFamily="34" charset="-122"/>
                 <a:cs typeface="华文楷体" panose="02010600040101010101" charset="-122"/>
-                <a:sym typeface="+mn-ea"/>
               </a:rPr>
-              <a:t>&lt;input type=”text” name=”name”/&gt;</a:t>
-            </a:r>
-            <a:endParaRPr lang="en-US" sz="2000" b="1" dirty="0">
-              <a:solidFill>
-                <a:srgbClr val="FFC000"/>
-              </a:solidFill>
-              <a:latin typeface="微软雅黑" panose="020B0503020204020204" pitchFamily="34" charset="-122"/>
-              <a:ea typeface="微软雅黑" panose="020B0503020204020204" pitchFamily="34" charset="-122"/>
-              <a:cs typeface="华文楷体" panose="02010600040101010101" charset="-122"/>
-              <a:sym typeface="+mn-ea"/>
-            </a:endParaRPr>
-          </a:p>
-          <a:p>
-            <a:pPr algn="l"/>
+              <a:t>font-style	规定文本的字体样式。	1italic</a:t>
+            </a:r>
             <a:endParaRPr lang="en-US" sz="2000" b="1" dirty="0">
               <a:solidFill>
                 <a:srgbClr val="FFC000"/>
@@ -8060,56 +7956,9 @@
                 <a:latin typeface="微软雅黑" panose="020B0503020204020204" pitchFamily="34" charset="-122"/>
                 <a:ea typeface="微软雅黑" panose="020B0503020204020204" pitchFamily="34" charset="-122"/>
                 <a:cs typeface="华文楷体" panose="02010600040101010101" charset="-122"/>
-                <a:sym typeface="+mn-ea"/>
               </a:rPr>
-              <a:t>&lt;input type=”text” name=”name”/&gt;</a:t>
-            </a:r>
-            <a:endParaRPr lang="en-US" sz="2000" b="1" dirty="0">
-              <a:solidFill>
-                <a:srgbClr val="FFC000"/>
-              </a:solidFill>
-              <a:latin typeface="微软雅黑" panose="020B0503020204020204" pitchFamily="34" charset="-122"/>
-              <a:ea typeface="微软雅黑" panose="020B0503020204020204" pitchFamily="34" charset="-122"/>
-              <a:cs typeface="华文楷体" panose="02010600040101010101" charset="-122"/>
-              <a:sym typeface="+mn-ea"/>
-            </a:endParaRPr>
-          </a:p>
-          <a:p>
-            <a:pPr algn="l"/>
-            <a:endParaRPr lang="en-US" sz="2000" b="1" dirty="0">
-              <a:solidFill>
-                <a:srgbClr val="FFC000"/>
-              </a:solidFill>
-              <a:latin typeface="微软雅黑" panose="020B0503020204020204" pitchFamily="34" charset="-122"/>
-              <a:ea typeface="微软雅黑" panose="020B0503020204020204" pitchFamily="34" charset="-122"/>
-              <a:cs typeface="华文楷体" panose="02010600040101010101" charset="-122"/>
-            </a:endParaRPr>
-          </a:p>
-          <a:p>
-            <a:pPr algn="l"/>
-            <a:r>
-              <a:rPr lang="en-US" sz="2000" b="1" dirty="0">
-                <a:solidFill>
-                  <a:srgbClr val="FFC000"/>
-                </a:solidFill>
-                <a:latin typeface="微软雅黑" panose="020B0503020204020204" pitchFamily="34" charset="-122"/>
-                <a:ea typeface="微软雅黑" panose="020B0503020204020204" pitchFamily="34" charset="-122"/>
-                <a:cs typeface="华文楷体" panose="02010600040101010101" charset="-122"/>
-                <a:sym typeface="+mn-ea"/>
-              </a:rPr>
-              <a:t>&lt;input type=”text” name=”name”/&gt;</a:t>
-            </a:r>
-            <a:endParaRPr lang="en-US" sz="2000" b="1" dirty="0">
-              <a:solidFill>
-                <a:srgbClr val="FFC000"/>
-              </a:solidFill>
-              <a:latin typeface="微软雅黑" panose="020B0503020204020204" pitchFamily="34" charset="-122"/>
-              <a:ea typeface="微软雅黑" panose="020B0503020204020204" pitchFamily="34" charset="-122"/>
-              <a:cs typeface="华文楷体" panose="02010600040101010101" charset="-122"/>
-            </a:endParaRPr>
-          </a:p>
-          <a:p>
-            <a:pPr algn="l"/>
+              <a:t>font-weight	规定字体的粗细。</a:t>
+            </a:r>
             <a:endParaRPr lang="en-US" sz="2000" b="1" dirty="0">
               <a:solidFill>
                 <a:srgbClr val="FFC000"/>
@@ -8374,26 +8223,16 @@
           <a:p>
             <a:pPr algn="ctr"/>
             <a:r>
-              <a:rPr lang="en-US" altLang="zh-CN" sz="2800" b="1" dirty="0">
+              <a:rPr lang="zh-CN" sz="2800" b="1" dirty="0">
                 <a:solidFill>
                   <a:srgbClr val="FFC000"/>
                 </a:solidFill>
                 <a:latin typeface="仿宋" panose="02010609060101010101" pitchFamily="49" charset="-122"/>
                 <a:ea typeface="仿宋" panose="02010609060101010101" pitchFamily="49" charset="-122"/>
               </a:rPr>
-              <a:t>button</a:t>
-            </a:r>
-            <a:r>
-              <a:rPr lang="zh-CN" altLang="en-US" sz="2800" b="1" dirty="0">
-                <a:solidFill>
-                  <a:srgbClr val="FFC000"/>
-                </a:solidFill>
-                <a:latin typeface="仿宋" panose="02010609060101010101" pitchFamily="49" charset="-122"/>
-                <a:ea typeface="仿宋" panose="02010609060101010101" pitchFamily="49" charset="-122"/>
-              </a:rPr>
-              <a:t>标签介绍</a:t>
-            </a:r>
-            <a:endParaRPr lang="zh-CN" altLang="en-US" sz="2800" b="1" dirty="0">
+              <a:t>颜色属性介绍</a:t>
+            </a:r>
+            <a:endParaRPr lang="zh-CN" sz="2800" b="1" dirty="0">
               <a:solidFill>
                 <a:srgbClr val="FFC000"/>
               </a:solidFill>
@@ -8412,7 +8251,7 @@
         <p:spPr>
           <a:xfrm>
             <a:off x="1545590" y="1526540"/>
-            <a:ext cx="6863715" cy="3169285"/>
+            <a:ext cx="6863715" cy="1938020"/>
           </a:xfrm>
           <a:prstGeom prst="rect">
             <a:avLst/>
@@ -8435,7 +8274,7 @@
                 <a:ea typeface="微软雅黑" panose="020B0503020204020204" pitchFamily="34" charset="-122"/>
                 <a:cs typeface="华文楷体" panose="02010600040101010101" charset="-122"/>
               </a:rPr>
-              <a:t>&lt;input type=”text” name=”name”/&gt;</a:t>
+              <a:t>color	设置文本的颜色。	1</a:t>
             </a:r>
             <a:endParaRPr lang="en-US" sz="2000" b="1" dirty="0">
               <a:solidFill>
@@ -8448,6 +8287,18 @@
           </a:p>
           <a:p>
             <a:pPr algn="l"/>
+            <a:r>
+              <a:rPr lang="en-US" sz="2000" b="1" dirty="0">
+                <a:solidFill>
+                  <a:srgbClr val="FFC000"/>
+                </a:solidFill>
+                <a:latin typeface="微软雅黑" panose="020B0503020204020204" pitchFamily="34" charset="-122"/>
+                <a:ea typeface="微软雅黑" panose="020B0503020204020204" pitchFamily="34" charset="-122"/>
+                <a:cs typeface="华文楷体" panose="02010600040101010101" charset="-122"/>
+                <a:sym typeface="+mn-ea"/>
+              </a:rPr>
+              <a:t>	透明色:transparent</a:t>
+            </a:r>
             <a:endParaRPr lang="en-US" sz="2000" b="1" dirty="0">
               <a:solidFill>
                 <a:srgbClr val="FFC000"/>
@@ -8467,22 +8318,9 @@
                 <a:latin typeface="微软雅黑" panose="020B0503020204020204" pitchFamily="34" charset="-122"/>
                 <a:ea typeface="微软雅黑" panose="020B0503020204020204" pitchFamily="34" charset="-122"/>
                 <a:cs typeface="华文楷体" panose="02010600040101010101" charset="-122"/>
-                <a:sym typeface="+mn-ea"/>
               </a:rPr>
-              <a:t>&lt;input type=”text” name=”name”/&gt;</a:t>
-            </a:r>
-            <a:endParaRPr lang="en-US" sz="2000" b="1" dirty="0">
-              <a:solidFill>
-                <a:srgbClr val="FFC000"/>
-              </a:solidFill>
-              <a:latin typeface="微软雅黑" panose="020B0503020204020204" pitchFamily="34" charset="-122"/>
-              <a:ea typeface="微软雅黑" panose="020B0503020204020204" pitchFamily="34" charset="-122"/>
-              <a:cs typeface="华文楷体" panose="02010600040101010101" charset="-122"/>
-              <a:sym typeface="+mn-ea"/>
-            </a:endParaRPr>
-          </a:p>
-          <a:p>
-            <a:pPr algn="l"/>
+              <a:t>颜色的三种方式	:</a:t>
+            </a:r>
             <a:endParaRPr lang="en-US" sz="2000" b="1" dirty="0">
               <a:solidFill>
                 <a:srgbClr val="FFC000"/>
@@ -8502,22 +8340,9 @@
                 <a:latin typeface="微软雅黑" panose="020B0503020204020204" pitchFamily="34" charset="-122"/>
                 <a:ea typeface="微软雅黑" panose="020B0503020204020204" pitchFamily="34" charset="-122"/>
                 <a:cs typeface="华文楷体" panose="02010600040101010101" charset="-122"/>
-                <a:sym typeface="+mn-ea"/>
               </a:rPr>
-              <a:t>&lt;input type=”text” name=”name”/&gt;</a:t>
-            </a:r>
-            <a:endParaRPr lang="en-US" sz="2000" b="1" dirty="0">
-              <a:solidFill>
-                <a:srgbClr val="FFC000"/>
-              </a:solidFill>
-              <a:latin typeface="微软雅黑" panose="020B0503020204020204" pitchFamily="34" charset="-122"/>
-              <a:ea typeface="微软雅黑" panose="020B0503020204020204" pitchFamily="34" charset="-122"/>
-              <a:cs typeface="华文楷体" panose="02010600040101010101" charset="-122"/>
-              <a:sym typeface="+mn-ea"/>
-            </a:endParaRPr>
-          </a:p>
-          <a:p>
-            <a:pPr algn="l"/>
+              <a:t>	土鳖式(英文单词)</a:t>
+            </a:r>
             <a:endParaRPr lang="en-US" sz="2000" b="1" dirty="0">
               <a:solidFill>
                 <a:srgbClr val="FFC000"/>
@@ -8537,22 +8362,9 @@
                 <a:latin typeface="微软雅黑" panose="020B0503020204020204" pitchFamily="34" charset="-122"/>
                 <a:ea typeface="微软雅黑" panose="020B0503020204020204" pitchFamily="34" charset="-122"/>
                 <a:cs typeface="华文楷体" panose="02010600040101010101" charset="-122"/>
-                <a:sym typeface="+mn-ea"/>
               </a:rPr>
-              <a:t>&lt;input type=”text” name=”name”/&gt;</a:t>
-            </a:r>
-            <a:endParaRPr lang="en-US" sz="2000" b="1" dirty="0">
-              <a:solidFill>
-                <a:srgbClr val="FFC000"/>
-              </a:solidFill>
-              <a:latin typeface="微软雅黑" panose="020B0503020204020204" pitchFamily="34" charset="-122"/>
-              <a:ea typeface="微软雅黑" panose="020B0503020204020204" pitchFamily="34" charset="-122"/>
-              <a:cs typeface="华文楷体" panose="02010600040101010101" charset="-122"/>
-              <a:sym typeface="+mn-ea"/>
-            </a:endParaRPr>
-          </a:p>
-          <a:p>
-            <a:pPr algn="l"/>
+              <a:t>	颜色代码</a:t>
+            </a:r>
             <a:endParaRPr lang="en-US" sz="2000" b="1" dirty="0">
               <a:solidFill>
                 <a:srgbClr val="FFC000"/>
@@ -8572,21 +8384,9 @@
                 <a:latin typeface="微软雅黑" panose="020B0503020204020204" pitchFamily="34" charset="-122"/>
                 <a:ea typeface="微软雅黑" panose="020B0503020204020204" pitchFamily="34" charset="-122"/>
                 <a:cs typeface="华文楷体" panose="02010600040101010101" charset="-122"/>
-                <a:sym typeface="+mn-ea"/>
               </a:rPr>
-              <a:t>&lt;input type=”text” name=”name”/&gt;</a:t>
-            </a:r>
-            <a:endParaRPr lang="en-US" sz="2000" b="1" dirty="0">
-              <a:solidFill>
-                <a:srgbClr val="FFC000"/>
-              </a:solidFill>
-              <a:latin typeface="微软雅黑" panose="020B0503020204020204" pitchFamily="34" charset="-122"/>
-              <a:ea typeface="微软雅黑" panose="020B0503020204020204" pitchFamily="34" charset="-122"/>
-              <a:cs typeface="华文楷体" panose="02010600040101010101" charset="-122"/>
-            </a:endParaRPr>
-          </a:p>
-          <a:p>
-            <a:pPr algn="l"/>
+              <a:t>	颜色函数rgb(0-255,0-255,0-255)</a:t>
+            </a:r>
             <a:endParaRPr lang="en-US" sz="2000" b="1" dirty="0">
               <a:solidFill>
                 <a:srgbClr val="FFC000"/>
@@ -8858,7 +8658,7 @@
                 <a:latin typeface="仿宋" panose="02010609060101010101" pitchFamily="49" charset="-122"/>
                 <a:ea typeface="仿宋" panose="02010609060101010101" pitchFamily="49" charset="-122"/>
               </a:rPr>
-              <a:t>select</a:t>
+              <a:t>textarea</a:t>
             </a:r>
             <a:r>
               <a:rPr lang="zh-CN" altLang="en-US" sz="2800" b="1" dirty="0">
@@ -8888,8 +8688,8 @@
         </p:nvSpPr>
         <p:spPr>
           <a:xfrm>
-            <a:off x="1545590" y="1526540"/>
-            <a:ext cx="6863715" cy="3169285"/>
+            <a:off x="638810" y="1526540"/>
+            <a:ext cx="8300720" cy="2861310"/>
           </a:xfrm>
           <a:prstGeom prst="rect">
             <a:avLst/>
@@ -8912,7 +8712,7 @@
                 <a:ea typeface="微软雅黑" panose="020B0503020204020204" pitchFamily="34" charset="-122"/>
                 <a:cs typeface="华文楷体" panose="02010600040101010101" charset="-122"/>
               </a:rPr>
-              <a:t>&lt;input type=”text” name=”name”/&gt;</a:t>
+              <a:t>letter-spacing	设置字符间距。	1</a:t>
             </a:r>
             <a:endParaRPr lang="en-US" sz="2000" b="1" dirty="0">
               <a:solidFill>
@@ -8925,6 +8725,17 @@
           </a:p>
           <a:p>
             <a:pPr algn="l"/>
+            <a:r>
+              <a:rPr lang="en-US" sz="2000" b="1" dirty="0">
+                <a:solidFill>
+                  <a:srgbClr val="FFC000"/>
+                </a:solidFill>
+                <a:latin typeface="微软雅黑" panose="020B0503020204020204" pitchFamily="34" charset="-122"/>
+                <a:ea typeface="微软雅黑" panose="020B0503020204020204" pitchFamily="34" charset="-122"/>
+                <a:cs typeface="华文楷体" panose="02010600040101010101" charset="-122"/>
+              </a:rPr>
+              <a:t>line-height	设置行高。	1</a:t>
+            </a:r>
             <a:endParaRPr lang="en-US" sz="2000" b="1" dirty="0">
               <a:solidFill>
                 <a:srgbClr val="FFC000"/>
@@ -8944,22 +8755,9 @@
                 <a:latin typeface="微软雅黑" panose="020B0503020204020204" pitchFamily="34" charset="-122"/>
                 <a:ea typeface="微软雅黑" panose="020B0503020204020204" pitchFamily="34" charset="-122"/>
                 <a:cs typeface="华文楷体" panose="02010600040101010101" charset="-122"/>
-                <a:sym typeface="+mn-ea"/>
               </a:rPr>
-              <a:t>&lt;input type=”text” name=”name”/&gt;</a:t>
-            </a:r>
-            <a:endParaRPr lang="en-US" sz="2000" b="1" dirty="0">
-              <a:solidFill>
-                <a:srgbClr val="FFC000"/>
-              </a:solidFill>
-              <a:latin typeface="微软雅黑" panose="020B0503020204020204" pitchFamily="34" charset="-122"/>
-              <a:ea typeface="微软雅黑" panose="020B0503020204020204" pitchFamily="34" charset="-122"/>
-              <a:cs typeface="华文楷体" panose="02010600040101010101" charset="-122"/>
-              <a:sym typeface="+mn-ea"/>
-            </a:endParaRPr>
-          </a:p>
-          <a:p>
-            <a:pPr algn="l"/>
+              <a:t>		单行文本垂直居中,line-height=height让文本高度等于行高</a:t>
+            </a:r>
             <a:endParaRPr lang="en-US" sz="2000" b="1" dirty="0">
               <a:solidFill>
                 <a:srgbClr val="FFC000"/>
@@ -8979,22 +8777,9 @@
                 <a:latin typeface="微软雅黑" panose="020B0503020204020204" pitchFamily="34" charset="-122"/>
                 <a:ea typeface="微软雅黑" panose="020B0503020204020204" pitchFamily="34" charset="-122"/>
                 <a:cs typeface="华文楷体" panose="02010600040101010101" charset="-122"/>
-                <a:sym typeface="+mn-ea"/>
               </a:rPr>
-              <a:t>&lt;input type=”text” name=”name”/&gt;</a:t>
-            </a:r>
-            <a:endParaRPr lang="en-US" sz="2000" b="1" dirty="0">
-              <a:solidFill>
-                <a:srgbClr val="FFC000"/>
-              </a:solidFill>
-              <a:latin typeface="微软雅黑" panose="020B0503020204020204" pitchFamily="34" charset="-122"/>
-              <a:ea typeface="微软雅黑" panose="020B0503020204020204" pitchFamily="34" charset="-122"/>
-              <a:cs typeface="华文楷体" panose="02010600040101010101" charset="-122"/>
-              <a:sym typeface="+mn-ea"/>
-            </a:endParaRPr>
-          </a:p>
-          <a:p>
-            <a:pPr algn="l"/>
+              <a:t>text-align	规定文本的水平对齐方式。</a:t>
+            </a:r>
             <a:endParaRPr lang="en-US" sz="2000" b="1" dirty="0">
               <a:solidFill>
                 <a:srgbClr val="FFC000"/>
@@ -9014,22 +8799,9 @@
                 <a:latin typeface="微软雅黑" panose="020B0503020204020204" pitchFamily="34" charset="-122"/>
                 <a:ea typeface="微软雅黑" panose="020B0503020204020204" pitchFamily="34" charset="-122"/>
                 <a:cs typeface="华文楷体" panose="02010600040101010101" charset="-122"/>
-                <a:sym typeface="+mn-ea"/>
               </a:rPr>
-              <a:t>&lt;input type=”text” name=”name”/&gt;</a:t>
-            </a:r>
-            <a:endParaRPr lang="en-US" sz="2000" b="1" dirty="0">
-              <a:solidFill>
-                <a:srgbClr val="FFC000"/>
-              </a:solidFill>
-              <a:latin typeface="微软雅黑" panose="020B0503020204020204" pitchFamily="34" charset="-122"/>
-              <a:ea typeface="微软雅黑" panose="020B0503020204020204" pitchFamily="34" charset="-122"/>
-              <a:cs typeface="华文楷体" panose="02010600040101010101" charset="-122"/>
-              <a:sym typeface="+mn-ea"/>
-            </a:endParaRPr>
-          </a:p>
-          <a:p>
-            <a:pPr algn="l"/>
+              <a:t>text-indent: 2em 首行缩进(两字体)</a:t>
+            </a:r>
             <a:endParaRPr lang="en-US" sz="2000" b="1" dirty="0">
               <a:solidFill>
                 <a:srgbClr val="FFC000"/>
@@ -9049,9 +8821,8 @@
                 <a:latin typeface="微软雅黑" panose="020B0503020204020204" pitchFamily="34" charset="-122"/>
                 <a:ea typeface="微软雅黑" panose="020B0503020204020204" pitchFamily="34" charset="-122"/>
                 <a:cs typeface="华文楷体" panose="02010600040101010101" charset="-122"/>
-                <a:sym typeface="+mn-ea"/>
               </a:rPr>
-              <a:t>&lt;input type=”text” name=”name”/&gt;</a:t>
+              <a:t>	</a:t>
             </a:r>
             <a:endParaRPr lang="en-US" sz="2000" b="1" dirty="0">
               <a:solidFill>
@@ -9064,6 +8835,17 @@
           </a:p>
           <a:p>
             <a:pPr algn="l"/>
+            <a:r>
+              <a:rPr lang="en-US" sz="2000" b="1" dirty="0">
+                <a:solidFill>
+                  <a:srgbClr val="FFC000"/>
+                </a:solidFill>
+                <a:latin typeface="微软雅黑" panose="020B0503020204020204" pitchFamily="34" charset="-122"/>
+                <a:ea typeface="微软雅黑" panose="020B0503020204020204" pitchFamily="34" charset="-122"/>
+                <a:cs typeface="华文楷体" panose="02010600040101010101" charset="-122"/>
+              </a:rPr>
+              <a:t>text-decoration: line-through;none;underline;overline(综合&lt;del&gt;标签,讲解结构,样式,行为相分离)</a:t>
+            </a:r>
             <a:endParaRPr lang="en-US" sz="2000" b="1" dirty="0">
               <a:solidFill>
                 <a:srgbClr val="FFC000"/>
@@ -9222,483 +9004,6 @@
 </file>
 
 <file path=ppt/slides/slide13.xml><?xml version="1.0" encoding="utf-8"?>
-<p:sld xmlns:a="http://schemas.openxmlformats.org/drawingml/2006/main" xmlns:r="http://schemas.openxmlformats.org/officeDocument/2006/relationships" xmlns:p="http://schemas.openxmlformats.org/presentationml/2006/main">
-  <p:cSld>
-    <p:spTree>
-      <p:nvGrpSpPr>
-        <p:cNvPr id="1" name=""/>
-        <p:cNvGrpSpPr/>
-        <p:nvPr/>
-      </p:nvGrpSpPr>
-      <p:grpSpPr>
-        <a:xfrm>
-          <a:off x="0" y="0"/>
-          <a:ext cx="0" cy="0"/>
-          <a:chOff x="0" y="0"/>
-          <a:chExt cx="0" cy="0"/>
-        </a:xfrm>
-      </p:grpSpPr>
-      <p:sp>
-        <p:nvSpPr>
-          <p:cNvPr id="101" name="Rectangle 49"/>
-          <p:cNvSpPr>
-            <a:spLocks noChangeArrowheads="1"/>
-          </p:cNvSpPr>
-          <p:nvPr/>
-        </p:nvSpPr>
-        <p:spPr bwMode="auto">
-          <a:xfrm>
-            <a:off x="2132965" y="1329055"/>
-            <a:ext cx="4964430" cy="276860"/>
-          </a:xfrm>
-          <a:prstGeom prst="rect">
-            <a:avLst/>
-          </a:prstGeom>
-          <a:noFill/>
-          <a:ln>
-            <a:noFill/>
-          </a:ln>
-          <a:extLst>
-            <a:ext uri="{909E8E84-426E-40DD-AFC4-6F175D3DCCD1}">
-              <a14:hiddenFill xmlns:a14="http://schemas.microsoft.com/office/drawing/2010/main">
-                <a:solidFill>
-                  <a:srgbClr val="FFFFFF"/>
-                </a:solidFill>
-              </a14:hiddenFill>
-            </a:ext>
-            <a:ext uri="{91240B29-F687-4F45-9708-019B960494DF}">
-              <a14:hiddenLine xmlns:a14="http://schemas.microsoft.com/office/drawing/2010/main" w="9525">
-                <a:solidFill>
-                  <a:srgbClr val="000000"/>
-                </a:solidFill>
-                <a:miter lim="800000"/>
-                <a:headEnd/>
-                <a:tailEnd/>
-              </a14:hiddenLine>
-            </a:ext>
-          </a:extLst>
-        </p:spPr>
-        <p:txBody>
-          <a:bodyPr wrap="square" lIns="0" tIns="0" rIns="0" bIns="0">
-            <a:spAutoFit/>
-          </a:bodyPr>
-          <a:lstStyle/>
-          <a:p>
-            <a:pPr algn="ctr">
-              <a:buFont typeface="Arial" panose="020B0604020202020204" pitchFamily="34" charset="0"/>
-              <a:buNone/>
-            </a:pPr>
-            <a:r>
-              <a:rPr lang="en-US" b="1" dirty="0">
-                <a:solidFill>
-                  <a:srgbClr val="92D050"/>
-                </a:solidFill>
-              </a:rPr>
-              <a:t> </a:t>
-            </a:r>
-            <a:endParaRPr lang="en-US" b="1" dirty="0">
-              <a:solidFill>
-                <a:srgbClr val="92D050"/>
-              </a:solidFill>
-            </a:endParaRPr>
-          </a:p>
-        </p:txBody>
-      </p:sp>
-      <p:sp>
-        <p:nvSpPr>
-          <p:cNvPr id="3" name="文本框 2"/>
-          <p:cNvSpPr txBox="1"/>
-          <p:nvPr/>
-        </p:nvSpPr>
-        <p:spPr>
-          <a:xfrm>
-            <a:off x="2331720" y="895985"/>
-            <a:ext cx="4480560" cy="521970"/>
-          </a:xfrm>
-          <a:prstGeom prst="rect">
-            <a:avLst/>
-          </a:prstGeom>
-          <a:noFill/>
-        </p:spPr>
-        <p:txBody>
-          <a:bodyPr wrap="square" rtlCol="0">
-            <a:spAutoFit/>
-          </a:bodyPr>
-          <a:lstStyle/>
-          <a:p>
-            <a:pPr algn="ctr"/>
-            <a:r>
-              <a:rPr lang="en-US" altLang="zh-CN" sz="2800" b="1" dirty="0">
-                <a:solidFill>
-                  <a:srgbClr val="FFC000"/>
-                </a:solidFill>
-                <a:latin typeface="仿宋" panose="02010609060101010101" pitchFamily="49" charset="-122"/>
-                <a:ea typeface="仿宋" panose="02010609060101010101" pitchFamily="49" charset="-122"/>
-              </a:rPr>
-              <a:t>textarea</a:t>
-            </a:r>
-            <a:r>
-              <a:rPr lang="zh-CN" altLang="en-US" sz="2800" b="1" dirty="0">
-                <a:solidFill>
-                  <a:srgbClr val="FFC000"/>
-                </a:solidFill>
-                <a:latin typeface="仿宋" panose="02010609060101010101" pitchFamily="49" charset="-122"/>
-                <a:ea typeface="仿宋" panose="02010609060101010101" pitchFamily="49" charset="-122"/>
-              </a:rPr>
-              <a:t>标签介绍</a:t>
-            </a:r>
-            <a:endParaRPr lang="zh-CN" altLang="en-US" sz="2800" b="1" dirty="0">
-              <a:solidFill>
-                <a:srgbClr val="FFC000"/>
-              </a:solidFill>
-              <a:latin typeface="仿宋" panose="02010609060101010101" pitchFamily="49" charset="-122"/>
-              <a:ea typeface="仿宋" panose="02010609060101010101" pitchFamily="49" charset="-122"/>
-            </a:endParaRPr>
-          </a:p>
-        </p:txBody>
-      </p:sp>
-      <p:sp>
-        <p:nvSpPr>
-          <p:cNvPr id="8" name="文本框 7"/>
-          <p:cNvSpPr txBox="1"/>
-          <p:nvPr/>
-        </p:nvSpPr>
-        <p:spPr>
-          <a:xfrm>
-            <a:off x="1545590" y="1526540"/>
-            <a:ext cx="6863715" cy="3169285"/>
-          </a:xfrm>
-          <a:prstGeom prst="rect">
-            <a:avLst/>
-          </a:prstGeom>
-          <a:noFill/>
-        </p:spPr>
-        <p:txBody>
-          <a:bodyPr wrap="square" rtlCol="0">
-            <a:spAutoFit/>
-          </a:bodyPr>
-          <a:lstStyle/>
-          <a:p>
-            <a:pPr algn="l"/>
-            <a:r>
-              <a:rPr lang="en-US" sz="2000" b="1" dirty="0">
-                <a:solidFill>
-                  <a:srgbClr val="FFC000"/>
-                </a:solidFill>
-                <a:latin typeface="微软雅黑" panose="020B0503020204020204" pitchFamily="34" charset="-122"/>
-                <a:ea typeface="微软雅黑" panose="020B0503020204020204" pitchFamily="34" charset="-122"/>
-                <a:cs typeface="华文楷体" panose="02010600040101010101" charset="-122"/>
-              </a:rPr>
-              <a:t>&lt;input type=”text” name=”name”/&gt;</a:t>
-            </a:r>
-            <a:endParaRPr lang="en-US" sz="2000" b="1" dirty="0">
-              <a:solidFill>
-                <a:srgbClr val="FFC000"/>
-              </a:solidFill>
-              <a:latin typeface="微软雅黑" panose="020B0503020204020204" pitchFamily="34" charset="-122"/>
-              <a:ea typeface="微软雅黑" panose="020B0503020204020204" pitchFamily="34" charset="-122"/>
-              <a:cs typeface="华文楷体" panose="02010600040101010101" charset="-122"/>
-            </a:endParaRPr>
-          </a:p>
-          <a:p>
-            <a:pPr algn="l"/>
-            <a:endParaRPr lang="en-US" sz="2000" b="1" dirty="0">
-              <a:solidFill>
-                <a:srgbClr val="FFC000"/>
-              </a:solidFill>
-              <a:latin typeface="微软雅黑" panose="020B0503020204020204" pitchFamily="34" charset="-122"/>
-              <a:ea typeface="微软雅黑" panose="020B0503020204020204" pitchFamily="34" charset="-122"/>
-              <a:cs typeface="华文楷体" panose="02010600040101010101" charset="-122"/>
-            </a:endParaRPr>
-          </a:p>
-          <a:p>
-            <a:pPr algn="l"/>
-            <a:r>
-              <a:rPr lang="en-US" sz="2000" b="1" dirty="0">
-                <a:solidFill>
-                  <a:srgbClr val="FFC000"/>
-                </a:solidFill>
-                <a:latin typeface="微软雅黑" panose="020B0503020204020204" pitchFamily="34" charset="-122"/>
-                <a:ea typeface="微软雅黑" panose="020B0503020204020204" pitchFamily="34" charset="-122"/>
-                <a:cs typeface="华文楷体" panose="02010600040101010101" charset="-122"/>
-                <a:sym typeface="+mn-ea"/>
-              </a:rPr>
-              <a:t>&lt;input type=”text” name=”name”/&gt;</a:t>
-            </a:r>
-            <a:endParaRPr lang="en-US" sz="2000" b="1" dirty="0">
-              <a:solidFill>
-                <a:srgbClr val="FFC000"/>
-              </a:solidFill>
-              <a:latin typeface="微软雅黑" panose="020B0503020204020204" pitchFamily="34" charset="-122"/>
-              <a:ea typeface="微软雅黑" panose="020B0503020204020204" pitchFamily="34" charset="-122"/>
-              <a:cs typeface="华文楷体" panose="02010600040101010101" charset="-122"/>
-              <a:sym typeface="+mn-ea"/>
-            </a:endParaRPr>
-          </a:p>
-          <a:p>
-            <a:pPr algn="l"/>
-            <a:endParaRPr lang="en-US" sz="2000" b="1" dirty="0">
-              <a:solidFill>
-                <a:srgbClr val="FFC000"/>
-              </a:solidFill>
-              <a:latin typeface="微软雅黑" panose="020B0503020204020204" pitchFamily="34" charset="-122"/>
-              <a:ea typeface="微软雅黑" panose="020B0503020204020204" pitchFamily="34" charset="-122"/>
-              <a:cs typeface="华文楷体" panose="02010600040101010101" charset="-122"/>
-            </a:endParaRPr>
-          </a:p>
-          <a:p>
-            <a:pPr algn="l"/>
-            <a:r>
-              <a:rPr lang="en-US" sz="2000" b="1" dirty="0">
-                <a:solidFill>
-                  <a:srgbClr val="FFC000"/>
-                </a:solidFill>
-                <a:latin typeface="微软雅黑" panose="020B0503020204020204" pitchFamily="34" charset="-122"/>
-                <a:ea typeface="微软雅黑" panose="020B0503020204020204" pitchFamily="34" charset="-122"/>
-                <a:cs typeface="华文楷体" panose="02010600040101010101" charset="-122"/>
-                <a:sym typeface="+mn-ea"/>
-              </a:rPr>
-              <a:t>&lt;input type=”text” name=”name”/&gt;</a:t>
-            </a:r>
-            <a:endParaRPr lang="en-US" sz="2000" b="1" dirty="0">
-              <a:solidFill>
-                <a:srgbClr val="FFC000"/>
-              </a:solidFill>
-              <a:latin typeface="微软雅黑" panose="020B0503020204020204" pitchFamily="34" charset="-122"/>
-              <a:ea typeface="微软雅黑" panose="020B0503020204020204" pitchFamily="34" charset="-122"/>
-              <a:cs typeface="华文楷体" panose="02010600040101010101" charset="-122"/>
-              <a:sym typeface="+mn-ea"/>
-            </a:endParaRPr>
-          </a:p>
-          <a:p>
-            <a:pPr algn="l"/>
-            <a:endParaRPr lang="en-US" sz="2000" b="1" dirty="0">
-              <a:solidFill>
-                <a:srgbClr val="FFC000"/>
-              </a:solidFill>
-              <a:latin typeface="微软雅黑" panose="020B0503020204020204" pitchFamily="34" charset="-122"/>
-              <a:ea typeface="微软雅黑" panose="020B0503020204020204" pitchFamily="34" charset="-122"/>
-              <a:cs typeface="华文楷体" panose="02010600040101010101" charset="-122"/>
-            </a:endParaRPr>
-          </a:p>
-          <a:p>
-            <a:pPr algn="l"/>
-            <a:r>
-              <a:rPr lang="en-US" sz="2000" b="1" dirty="0">
-                <a:solidFill>
-                  <a:srgbClr val="FFC000"/>
-                </a:solidFill>
-                <a:latin typeface="微软雅黑" panose="020B0503020204020204" pitchFamily="34" charset="-122"/>
-                <a:ea typeface="微软雅黑" panose="020B0503020204020204" pitchFamily="34" charset="-122"/>
-                <a:cs typeface="华文楷体" panose="02010600040101010101" charset="-122"/>
-                <a:sym typeface="+mn-ea"/>
-              </a:rPr>
-              <a:t>&lt;input type=”text” name=”name”/&gt;</a:t>
-            </a:r>
-            <a:endParaRPr lang="en-US" sz="2000" b="1" dirty="0">
-              <a:solidFill>
-                <a:srgbClr val="FFC000"/>
-              </a:solidFill>
-              <a:latin typeface="微软雅黑" panose="020B0503020204020204" pitchFamily="34" charset="-122"/>
-              <a:ea typeface="微软雅黑" panose="020B0503020204020204" pitchFamily="34" charset="-122"/>
-              <a:cs typeface="华文楷体" panose="02010600040101010101" charset="-122"/>
-              <a:sym typeface="+mn-ea"/>
-            </a:endParaRPr>
-          </a:p>
-          <a:p>
-            <a:pPr algn="l"/>
-            <a:endParaRPr lang="en-US" sz="2000" b="1" dirty="0">
-              <a:solidFill>
-                <a:srgbClr val="FFC000"/>
-              </a:solidFill>
-              <a:latin typeface="微软雅黑" panose="020B0503020204020204" pitchFamily="34" charset="-122"/>
-              <a:ea typeface="微软雅黑" panose="020B0503020204020204" pitchFamily="34" charset="-122"/>
-              <a:cs typeface="华文楷体" panose="02010600040101010101" charset="-122"/>
-            </a:endParaRPr>
-          </a:p>
-          <a:p>
-            <a:pPr algn="l"/>
-            <a:r>
-              <a:rPr lang="en-US" sz="2000" b="1" dirty="0">
-                <a:solidFill>
-                  <a:srgbClr val="FFC000"/>
-                </a:solidFill>
-                <a:latin typeface="微软雅黑" panose="020B0503020204020204" pitchFamily="34" charset="-122"/>
-                <a:ea typeface="微软雅黑" panose="020B0503020204020204" pitchFamily="34" charset="-122"/>
-                <a:cs typeface="华文楷体" panose="02010600040101010101" charset="-122"/>
-                <a:sym typeface="+mn-ea"/>
-              </a:rPr>
-              <a:t>&lt;input type=”text” name=”name”/&gt;</a:t>
-            </a:r>
-            <a:endParaRPr lang="en-US" sz="2000" b="1" dirty="0">
-              <a:solidFill>
-                <a:srgbClr val="FFC000"/>
-              </a:solidFill>
-              <a:latin typeface="微软雅黑" panose="020B0503020204020204" pitchFamily="34" charset="-122"/>
-              <a:ea typeface="微软雅黑" panose="020B0503020204020204" pitchFamily="34" charset="-122"/>
-              <a:cs typeface="华文楷体" panose="02010600040101010101" charset="-122"/>
-            </a:endParaRPr>
-          </a:p>
-          <a:p>
-            <a:pPr algn="l"/>
-            <a:endParaRPr lang="en-US" sz="2000" b="1" dirty="0">
-              <a:solidFill>
-                <a:srgbClr val="FFC000"/>
-              </a:solidFill>
-              <a:latin typeface="微软雅黑" panose="020B0503020204020204" pitchFamily="34" charset="-122"/>
-              <a:ea typeface="微软雅黑" panose="020B0503020204020204" pitchFamily="34" charset="-122"/>
-              <a:cs typeface="华文楷体" panose="02010600040101010101" charset="-122"/>
-            </a:endParaRPr>
-          </a:p>
-        </p:txBody>
-      </p:sp>
-    </p:spTree>
-  </p:cSld>
-  <p:clrMapOvr>
-    <a:masterClrMapping/>
-  </p:clrMapOvr>
-  <p:transition spd="med" advClick="0" advTm="0">
-    <p:randomBar dir="vert"/>
-  </p:transition>
-  <p:timing>
-    <p:tnLst>
-      <p:par>
-        <p:cTn id="1" dur="indefinite" restart="never" nodeType="tmRoot">
-          <p:childTnLst>
-            <p:seq concurrent="1" nextAc="seek">
-              <p:cTn id="2" dur="indefinite" nodeType="mainSeq">
-                <p:childTnLst>
-                  <p:par>
-                    <p:cTn id="3" fill="hold">
-                      <p:stCondLst>
-                        <p:cond delay="indefinite"/>
-                        <p:cond evt="onBegin" delay="0">
-                          <p:tn val="2"/>
-                        </p:cond>
-                      </p:stCondLst>
-                      <p:childTnLst>
-                        <p:par>
-                          <p:cTn id="4" fill="hold">
-                            <p:stCondLst>
-                              <p:cond delay="0"/>
-                            </p:stCondLst>
-                            <p:childTnLst>
-                              <p:par>
-                                <p:cTn id="5" presetID="42" presetClass="entr" presetSubtype="0" fill="hold" grpId="0" nodeType="withEffect">
-                                  <p:stCondLst>
-                                    <p:cond delay="0"/>
-                                  </p:stCondLst>
-                                  <p:childTnLst>
-                                    <p:set>
-                                      <p:cBhvr>
-                                        <p:cTn id="6" dur="1" fill="hold">
-                                          <p:stCondLst>
-                                            <p:cond delay="0"/>
-                                          </p:stCondLst>
-                                        </p:cTn>
-                                        <p:tgtEl>
-                                          <p:spTgt spid="101"/>
-                                        </p:tgtEl>
-                                        <p:attrNameLst>
-                                          <p:attrName>style.visibility</p:attrName>
-                                        </p:attrNameLst>
-                                      </p:cBhvr>
-                                      <p:to>
-                                        <p:strVal val="visible"/>
-                                      </p:to>
-                                    </p:set>
-                                    <p:animEffect transition="in" filter="fade">
-                                      <p:cBhvr>
-                                        <p:cTn id="7" dur="500"/>
-                                        <p:tgtEl>
-                                          <p:spTgt spid="101"/>
-                                        </p:tgtEl>
-                                      </p:cBhvr>
-                                    </p:animEffect>
-                                    <p:anim calcmode="lin" valueType="num">
-                                      <p:cBhvr>
-                                        <p:cTn id="8" dur="500" fill="hold"/>
-                                        <p:tgtEl>
-                                          <p:spTgt spid="101"/>
-                                        </p:tgtEl>
-                                        <p:attrNameLst>
-                                          <p:attrName>ppt_x</p:attrName>
-                                        </p:attrNameLst>
-                                      </p:cBhvr>
-                                      <p:tavLst>
-                                        <p:tav tm="0">
-                                          <p:val>
-                                            <p:strVal val="#ppt_x"/>
-                                          </p:val>
-                                        </p:tav>
-                                        <p:tav tm="100000">
-                                          <p:val>
-                                            <p:strVal val="#ppt_x"/>
-                                          </p:val>
-                                        </p:tav>
-                                      </p:tavLst>
-                                    </p:anim>
-                                    <p:anim calcmode="lin" valueType="num">
-                                      <p:cBhvr>
-                                        <p:cTn id="9" dur="500" fill="hold"/>
-                                        <p:tgtEl>
-                                          <p:spTgt spid="101"/>
-                                        </p:tgtEl>
-                                        <p:attrNameLst>
-                                          <p:attrName>ppt_y</p:attrName>
-                                        </p:attrNameLst>
-                                      </p:cBhvr>
-                                      <p:tavLst>
-                                        <p:tav tm="0">
-                                          <p:val>
-                                            <p:strVal val="#ppt_y+.1"/>
-                                          </p:val>
-                                        </p:tav>
-                                        <p:tav tm="100000">
-                                          <p:val>
-                                            <p:strVal val="#ppt_y"/>
-                                          </p:val>
-                                        </p:tav>
-                                      </p:tavLst>
-                                    </p:anim>
-                                  </p:childTnLst>
-                                </p:cTn>
-                              </p:par>
-                            </p:childTnLst>
-                          </p:cTn>
-                        </p:par>
-                      </p:childTnLst>
-                    </p:cTn>
-                  </p:par>
-                </p:childTnLst>
-              </p:cTn>
-              <p:prevCondLst>
-                <p:cond evt="onPrev" delay="0">
-                  <p:tgtEl>
-                    <p:sldTgt/>
-                  </p:tgtEl>
-                </p:cond>
-              </p:prevCondLst>
-              <p:nextCondLst>
-                <p:cond evt="onNext" delay="0">
-                  <p:tgtEl>
-                    <p:sldTgt/>
-                  </p:tgtEl>
-                </p:cond>
-              </p:nextCondLst>
-            </p:seq>
-          </p:childTnLst>
-        </p:cTn>
-      </p:par>
-    </p:tnLst>
-    <p:bldLst>
-      <p:bldP spid="101" grpId="0"/>
-    </p:bldLst>
-  </p:timing>
-</p:sld>
-</file>
-
-<file path=ppt/slides/slide14.xml><?xml version="1.0" encoding="utf-8"?>
 <p:sld xmlns:a="http://schemas.openxmlformats.org/drawingml/2006/main" xmlns:r="http://schemas.openxmlformats.org/officeDocument/2006/relationships" xmlns:p="http://schemas.openxmlformats.org/presentationml/2006/main">
   <p:cSld>
     <p:spTree>
@@ -11355,7 +10660,7 @@
 </p:sld>
 </file>
 
-<file path=ppt/slides/slide15.xml><?xml version="1.0" encoding="utf-8"?>
+<file path=ppt/slides/slide14.xml><?xml version="1.0" encoding="utf-8"?>
 <p:sld xmlns:a="http://schemas.openxmlformats.org/drawingml/2006/main" xmlns:r="http://schemas.openxmlformats.org/officeDocument/2006/relationships" xmlns:p="http://schemas.openxmlformats.org/presentationml/2006/main">
   <p:cSld>
     <p:spTree>
@@ -12220,7 +11525,7 @@
         </p:nvSpPr>
         <p:spPr bwMode="auto">
           <a:xfrm>
-            <a:off x="2132965" y="1329055"/>
+            <a:off x="2135039" y="1235492"/>
             <a:ext cx="4964430" cy="276860"/>
           </a:xfrm>
           <a:prstGeom prst="rect">
@@ -12284,8 +11589,8 @@
         </p:nvSpPr>
         <p:spPr>
           <a:xfrm>
-            <a:off x="2331720" y="1605957"/>
-            <a:ext cx="4480560" cy="830997"/>
+            <a:off x="2333794" y="398245"/>
+            <a:ext cx="4480560" cy="521970"/>
           </a:xfrm>
           <a:prstGeom prst="rect">
             <a:avLst/>
@@ -12300,21 +11605,277 @@
           <a:p>
             <a:pPr algn="ctr"/>
             <a:r>
-              <a:rPr lang="zh-CN" altLang="en-US" sz="4800" b="1" dirty="0">
+              <a:rPr lang="zh-CN" altLang="en-US" sz="2800" b="1" dirty="0">
                 <a:solidFill>
                   <a:srgbClr val="FFC000"/>
                 </a:solidFill>
                 <a:latin typeface="微软雅黑" panose="020B0503020204020204" pitchFamily="34" charset="-122"/>
                 <a:ea typeface="微软雅黑" panose="020B0503020204020204" pitchFamily="34" charset="-122"/>
               </a:rPr>
-              <a:t>安装编辑器</a:t>
-            </a:r>
-            <a:endParaRPr lang="zh-CN" altLang="en-US" sz="4800" b="1" dirty="0">
+              <a:t>标签属性介绍</a:t>
+            </a:r>
+            <a:endParaRPr lang="zh-CN" altLang="en-US" sz="2800" b="1" dirty="0">
               <a:solidFill>
                 <a:srgbClr val="FFC000"/>
               </a:solidFill>
               <a:latin typeface="微软雅黑" panose="020B0503020204020204" pitchFamily="34" charset="-122"/>
               <a:ea typeface="微软雅黑" panose="020B0503020204020204" pitchFamily="34" charset="-122"/>
+            </a:endParaRPr>
+          </a:p>
+        </p:txBody>
+      </p:sp>
+      <p:sp>
+        <p:nvSpPr>
+          <p:cNvPr id="8" name="文本框 7"/>
+          <p:cNvSpPr txBox="1"/>
+          <p:nvPr/>
+        </p:nvSpPr>
+        <p:spPr>
+          <a:xfrm>
+            <a:off x="1547664" y="1258242"/>
+            <a:ext cx="6139815" cy="1138773"/>
+          </a:xfrm>
+          <a:prstGeom prst="rect">
+            <a:avLst/>
+          </a:prstGeom>
+          <a:noFill/>
+        </p:spPr>
+        <p:txBody>
+          <a:bodyPr wrap="square" rtlCol="0">
+            <a:spAutoFit/>
+          </a:bodyPr>
+          <a:lstStyle/>
+          <a:p>
+            <a:pPr algn="l"/>
+            <a:r>
+              <a:rPr lang="zh-CN" altLang="en-US" sz="2800" b="1" dirty="0">
+                <a:solidFill>
+                  <a:srgbClr val="FFC000"/>
+                </a:solidFill>
+                <a:latin typeface="华文楷体" panose="02010600040101010101" charset="-122"/>
+                <a:ea typeface="华文楷体" panose="02010600040101010101" charset="-122"/>
+                <a:cs typeface="华文楷体" panose="02010600040101010101" charset="-122"/>
+              </a:rPr>
+              <a:t>什么是属性？</a:t>
+            </a:r>
+            <a:endParaRPr lang="en-US" altLang="zh-CN" sz="2000" b="1" dirty="0">
+              <a:solidFill>
+                <a:srgbClr val="FFC000"/>
+              </a:solidFill>
+              <a:latin typeface="华文楷体" panose="02010600040101010101" charset="-122"/>
+              <a:ea typeface="华文楷体" panose="02010600040101010101" charset="-122"/>
+              <a:cs typeface="华文楷体" panose="02010600040101010101" charset="-122"/>
+            </a:endParaRPr>
+          </a:p>
+          <a:p>
+            <a:pPr algn="l"/>
+            <a:r>
+              <a:rPr lang="en-US" altLang="zh-CN" sz="2000" b="1" dirty="0">
+                <a:solidFill>
+                  <a:srgbClr val="FFC000"/>
+                </a:solidFill>
+                <a:latin typeface="华文楷体" panose="02010600040101010101" charset="-122"/>
+                <a:ea typeface="华文楷体" panose="02010600040101010101" charset="-122"/>
+                <a:cs typeface="华文楷体" panose="02010600040101010101" charset="-122"/>
+              </a:rPr>
+              <a:t>	</a:t>
+            </a:r>
+            <a:r>
+              <a:rPr lang="zh-CN" altLang="en-US" sz="2000" b="1" dirty="0">
+                <a:solidFill>
+                  <a:srgbClr val="FFC000"/>
+                </a:solidFill>
+                <a:latin typeface="华文楷体" panose="02010600040101010101" charset="-122"/>
+                <a:ea typeface="华文楷体" panose="02010600040101010101" charset="-122"/>
+                <a:cs typeface="华文楷体" panose="02010600040101010101" charset="-122"/>
+              </a:rPr>
+              <a:t>描述事物的一些标记或者标志，如人的姓名，性别等</a:t>
+            </a:r>
+            <a:endParaRPr lang="en-US" altLang="zh-CN" sz="2000" b="1" dirty="0">
+              <a:solidFill>
+                <a:srgbClr val="FFC000"/>
+              </a:solidFill>
+              <a:latin typeface="华文楷体" panose="02010600040101010101" charset="-122"/>
+              <a:ea typeface="华文楷体" panose="02010600040101010101" charset="-122"/>
+              <a:cs typeface="华文楷体" panose="02010600040101010101" charset="-122"/>
+            </a:endParaRPr>
+          </a:p>
+        </p:txBody>
+      </p:sp>
+      <p:sp>
+        <p:nvSpPr>
+          <p:cNvPr id="5" name="文本框 4"/>
+          <p:cNvSpPr txBox="1"/>
+          <p:nvPr/>
+        </p:nvSpPr>
+        <p:spPr>
+          <a:xfrm>
+            <a:off x="1551283" y="2538675"/>
+            <a:ext cx="6139815" cy="830997"/>
+          </a:xfrm>
+          <a:prstGeom prst="rect">
+            <a:avLst/>
+          </a:prstGeom>
+          <a:noFill/>
+        </p:spPr>
+        <p:txBody>
+          <a:bodyPr wrap="square" rtlCol="0">
+            <a:spAutoFit/>
+          </a:bodyPr>
+          <a:lstStyle/>
+          <a:p>
+            <a:pPr algn="l"/>
+            <a:r>
+              <a:rPr lang="zh-CN" altLang="en-US" sz="2800" b="1" dirty="0">
+                <a:solidFill>
+                  <a:srgbClr val="FFC000"/>
+                </a:solidFill>
+                <a:latin typeface="华文楷体" panose="02010600040101010101" charset="-122"/>
+                <a:ea typeface="华文楷体" panose="02010600040101010101" charset="-122"/>
+                <a:cs typeface="华文楷体" panose="02010600040101010101" charset="-122"/>
+              </a:rPr>
+              <a:t>属性的类别？</a:t>
+            </a:r>
+            <a:endParaRPr lang="en-US" altLang="zh-CN" sz="2000" b="1" dirty="0">
+              <a:solidFill>
+                <a:srgbClr val="FFC000"/>
+              </a:solidFill>
+              <a:latin typeface="华文楷体" panose="02010600040101010101" charset="-122"/>
+              <a:ea typeface="华文楷体" panose="02010600040101010101" charset="-122"/>
+              <a:cs typeface="华文楷体" panose="02010600040101010101" charset="-122"/>
+            </a:endParaRPr>
+          </a:p>
+          <a:p>
+            <a:pPr algn="l"/>
+            <a:r>
+              <a:rPr lang="en-US" altLang="zh-CN" sz="2000" b="1" dirty="0">
+                <a:solidFill>
+                  <a:srgbClr val="FFC000"/>
+                </a:solidFill>
+                <a:latin typeface="华文楷体" panose="02010600040101010101" charset="-122"/>
+                <a:ea typeface="华文楷体" panose="02010600040101010101" charset="-122"/>
+                <a:cs typeface="华文楷体" panose="02010600040101010101" charset="-122"/>
+              </a:rPr>
+              <a:t>	</a:t>
+            </a:r>
+            <a:r>
+              <a:rPr lang="zh-CN" altLang="en-US" sz="2000" b="1" dirty="0">
+                <a:solidFill>
+                  <a:srgbClr val="FFC000"/>
+                </a:solidFill>
+                <a:latin typeface="华文楷体" panose="02010600040101010101" charset="-122"/>
+                <a:ea typeface="华文楷体" panose="02010600040101010101" charset="-122"/>
+                <a:cs typeface="华文楷体" panose="02010600040101010101" charset="-122"/>
+              </a:rPr>
+              <a:t>原生属性</a:t>
+            </a:r>
+            <a:r>
+              <a:rPr lang="en-US" altLang="zh-CN" sz="2000" b="1" dirty="0">
+                <a:solidFill>
+                  <a:srgbClr val="FFC000"/>
+                </a:solidFill>
+                <a:latin typeface="华文楷体" panose="02010600040101010101" charset="-122"/>
+                <a:ea typeface="华文楷体" panose="02010600040101010101" charset="-122"/>
+                <a:cs typeface="华文楷体" panose="02010600040101010101" charset="-122"/>
+              </a:rPr>
+              <a:t>	</a:t>
+            </a:r>
+            <a:r>
+              <a:rPr lang="zh-CN" altLang="en-US" sz="2000" b="1" dirty="0">
+                <a:solidFill>
+                  <a:srgbClr val="FFC000"/>
+                </a:solidFill>
+                <a:latin typeface="华文楷体" panose="02010600040101010101" charset="-122"/>
+                <a:ea typeface="华文楷体" panose="02010600040101010101" charset="-122"/>
+                <a:cs typeface="华文楷体" panose="02010600040101010101" charset="-122"/>
+              </a:rPr>
+              <a:t>自定义属性</a:t>
+            </a:r>
+            <a:endParaRPr lang="en-US" altLang="zh-CN" sz="2000" b="1" dirty="0">
+              <a:solidFill>
+                <a:srgbClr val="FFC000"/>
+              </a:solidFill>
+              <a:latin typeface="华文楷体" panose="02010600040101010101" charset="-122"/>
+              <a:ea typeface="华文楷体" panose="02010600040101010101" charset="-122"/>
+              <a:cs typeface="华文楷体" panose="02010600040101010101" charset="-122"/>
+            </a:endParaRPr>
+          </a:p>
+        </p:txBody>
+      </p:sp>
+      <p:sp>
+        <p:nvSpPr>
+          <p:cNvPr id="6" name="文本框 5"/>
+          <p:cNvSpPr txBox="1"/>
+          <p:nvPr/>
+        </p:nvSpPr>
+        <p:spPr>
+          <a:xfrm>
+            <a:off x="1547664" y="3511332"/>
+            <a:ext cx="6139815" cy="830997"/>
+          </a:xfrm>
+          <a:prstGeom prst="rect">
+            <a:avLst/>
+          </a:prstGeom>
+          <a:noFill/>
+        </p:spPr>
+        <p:txBody>
+          <a:bodyPr wrap="square" rtlCol="0">
+            <a:spAutoFit/>
+          </a:bodyPr>
+          <a:lstStyle/>
+          <a:p>
+            <a:pPr algn="l"/>
+            <a:r>
+              <a:rPr lang="zh-CN" altLang="en-US" sz="2800" b="1" dirty="0">
+                <a:solidFill>
+                  <a:srgbClr val="FFC000"/>
+                </a:solidFill>
+                <a:latin typeface="华文楷体" panose="02010600040101010101" charset="-122"/>
+                <a:ea typeface="华文楷体" panose="02010600040101010101" charset="-122"/>
+                <a:cs typeface="华文楷体" panose="02010600040101010101" charset="-122"/>
+              </a:rPr>
+              <a:t>常用属性？</a:t>
+            </a:r>
+            <a:endParaRPr lang="en-US" altLang="zh-CN" sz="2000" b="1" dirty="0">
+              <a:solidFill>
+                <a:srgbClr val="FFC000"/>
+              </a:solidFill>
+              <a:latin typeface="华文楷体" panose="02010600040101010101" charset="-122"/>
+              <a:ea typeface="华文楷体" panose="02010600040101010101" charset="-122"/>
+              <a:cs typeface="华文楷体" panose="02010600040101010101" charset="-122"/>
+            </a:endParaRPr>
+          </a:p>
+          <a:p>
+            <a:pPr algn="l"/>
+            <a:r>
+              <a:rPr lang="en-US" altLang="zh-CN" sz="2000" b="1" dirty="0">
+                <a:solidFill>
+                  <a:srgbClr val="FFC000"/>
+                </a:solidFill>
+                <a:latin typeface="华文楷体" panose="02010600040101010101" charset="-122"/>
+                <a:ea typeface="华文楷体" panose="02010600040101010101" charset="-122"/>
+                <a:cs typeface="华文楷体" panose="02010600040101010101" charset="-122"/>
+              </a:rPr>
+              <a:t>	id   class    name –value</a:t>
+            </a:r>
+            <a:r>
+              <a:rPr lang="zh-CN" altLang="en-US" sz="2000" b="1" dirty="0">
+                <a:solidFill>
+                  <a:srgbClr val="FFC000"/>
+                </a:solidFill>
+                <a:latin typeface="华文楷体" panose="02010600040101010101" charset="-122"/>
+                <a:ea typeface="华文楷体" panose="02010600040101010101" charset="-122"/>
+                <a:cs typeface="华文楷体" panose="02010600040101010101" charset="-122"/>
+              </a:rPr>
+              <a:t>（成对出现）</a:t>
+            </a:r>
+            <a:endParaRPr lang="en-US" altLang="zh-CN" sz="2000" b="1" dirty="0">
+              <a:solidFill>
+                <a:srgbClr val="FFC000"/>
+              </a:solidFill>
+              <a:latin typeface="华文楷体" panose="02010600040101010101" charset="-122"/>
+              <a:ea typeface="华文楷体" panose="02010600040101010101" charset="-122"/>
+              <a:cs typeface="华文楷体" panose="02010600040101010101" charset="-122"/>
             </a:endParaRPr>
           </a:p>
         </p:txBody>
@@ -12556,8 +12117,8 @@
         </p:nvSpPr>
         <p:spPr>
           <a:xfrm>
-            <a:off x="2331720" y="1605957"/>
-            <a:ext cx="4480560" cy="830997"/>
+            <a:off x="2331720" y="807127"/>
+            <a:ext cx="4480560" cy="521970"/>
           </a:xfrm>
           <a:prstGeom prst="rect">
             <a:avLst/>
@@ -12572,18 +12133,252 @@
           <a:p>
             <a:pPr algn="ctr"/>
             <a:r>
-              <a:rPr lang="zh-CN" altLang="en-US" sz="4800" b="1" dirty="0">
+              <a:rPr lang="zh-CN" altLang="en-US" sz="2800" b="1" dirty="0">
                 <a:solidFill>
                   <a:srgbClr val="FFC000"/>
                 </a:solidFill>
                 <a:latin typeface="微软雅黑" panose="020B0503020204020204" pitchFamily="34" charset="-122"/>
                 <a:ea typeface="微软雅黑" panose="020B0503020204020204" pitchFamily="34" charset="-122"/>
               </a:rPr>
-              <a:t>创建工程目录</a:t>
-            </a:r>
-            <a:endParaRPr lang="zh-CN" altLang="en-US" sz="4800" b="1" dirty="0">
+              <a:t>什么是</a:t>
+            </a:r>
+            <a:r>
+              <a:rPr lang="en-US" altLang="zh-CN" sz="2800" b="1" dirty="0">
+                <a:solidFill>
+                  <a:srgbClr val="FFC000"/>
+                </a:solidFill>
+                <a:latin typeface="微软雅黑" panose="020B0503020204020204" pitchFamily="34" charset="-122"/>
+                <a:ea typeface="微软雅黑" panose="020B0503020204020204" pitchFamily="34" charset="-122"/>
+              </a:rPr>
+              <a:t>CSS</a:t>
+            </a:r>
+            <a:endParaRPr lang="en-US" altLang="zh-CN" sz="2800" b="1" dirty="0">
               <a:solidFill>
                 <a:srgbClr val="FFC000"/>
+              </a:solidFill>
+              <a:latin typeface="微软雅黑" panose="020B0503020204020204" pitchFamily="34" charset="-122"/>
+              <a:ea typeface="微软雅黑" panose="020B0503020204020204" pitchFamily="34" charset="-122"/>
+            </a:endParaRPr>
+          </a:p>
+        </p:txBody>
+      </p:sp>
+      <p:sp>
+        <p:nvSpPr>
+          <p:cNvPr id="2" name="文本框 1"/>
+          <p:cNvSpPr txBox="1"/>
+          <p:nvPr/>
+        </p:nvSpPr>
+        <p:spPr>
+          <a:xfrm>
+            <a:off x="1391920" y="1691640"/>
+            <a:ext cx="6360160" cy="829945"/>
+          </a:xfrm>
+          <a:prstGeom prst="rect">
+            <a:avLst/>
+          </a:prstGeom>
+          <a:noFill/>
+        </p:spPr>
+        <p:txBody>
+          <a:bodyPr wrap="square" rtlCol="0">
+            <a:spAutoFit/>
+          </a:bodyPr>
+          <a:p>
+            <a:pPr algn="l"/>
+            <a:r>
+              <a:rPr lang="en-US" altLang="zh-CN" sz="2400" b="1" dirty="0">
+                <a:solidFill>
+                  <a:srgbClr val="92D050"/>
+                </a:solidFill>
+                <a:latin typeface="微软雅黑" panose="020B0503020204020204" pitchFamily="34" charset="-122"/>
+                <a:ea typeface="微软雅黑" panose="020B0503020204020204" pitchFamily="34" charset="-122"/>
+              </a:rPr>
+              <a:t>CSS(Cascoding Style Sheet)</a:t>
+            </a:r>
+            <a:r>
+              <a:rPr lang="zh-CN" altLang="en-US" sz="2400" b="1" dirty="0">
+                <a:solidFill>
+                  <a:srgbClr val="92D050"/>
+                </a:solidFill>
+                <a:latin typeface="微软雅黑" panose="020B0503020204020204" pitchFamily="34" charset="-122"/>
+                <a:ea typeface="微软雅黑" panose="020B0503020204020204" pitchFamily="34" charset="-122"/>
+              </a:rPr>
+              <a:t>层叠样式表</a:t>
+            </a:r>
+            <a:r>
+              <a:rPr lang="en-US" altLang="zh-CN" sz="2400" b="1" dirty="0">
+                <a:solidFill>
+                  <a:srgbClr val="92D050"/>
+                </a:solidFill>
+                <a:latin typeface="微软雅黑" panose="020B0503020204020204" pitchFamily="34" charset="-122"/>
+                <a:ea typeface="微软雅黑" panose="020B0503020204020204" pitchFamily="34" charset="-122"/>
+              </a:rPr>
+              <a:t>,</a:t>
+            </a:r>
+            <a:r>
+              <a:rPr lang="zh-CN" altLang="en-US" sz="2400" b="1" dirty="0">
+                <a:solidFill>
+                  <a:srgbClr val="92D050"/>
+                </a:solidFill>
+                <a:latin typeface="微软雅黑" panose="020B0503020204020204" pitchFamily="34" charset="-122"/>
+                <a:ea typeface="微软雅黑" panose="020B0503020204020204" pitchFamily="34" charset="-122"/>
+              </a:rPr>
+              <a:t>是一种用来</a:t>
+            </a:r>
+            <a:r>
+              <a:rPr lang="en-US" altLang="zh-CN" sz="2400" b="1" dirty="0">
+                <a:solidFill>
+                  <a:srgbClr val="92D050"/>
+                </a:solidFill>
+                <a:latin typeface="微软雅黑" panose="020B0503020204020204" pitchFamily="34" charset="-122"/>
+                <a:ea typeface="微软雅黑" panose="020B0503020204020204" pitchFamily="34" charset="-122"/>
+              </a:rPr>
+              <a:t>HTML</a:t>
+            </a:r>
+            <a:r>
+              <a:rPr lang="zh-CN" altLang="en-US" sz="2400" b="1" dirty="0">
+                <a:solidFill>
+                  <a:srgbClr val="92D050"/>
+                </a:solidFill>
+                <a:latin typeface="微软雅黑" panose="020B0503020204020204" pitchFamily="34" charset="-122"/>
+                <a:ea typeface="微软雅黑" panose="020B0503020204020204" pitchFamily="34" charset="-122"/>
+              </a:rPr>
+              <a:t>文件样式的计算机语言</a:t>
+            </a:r>
+            <a:endParaRPr lang="zh-CN" altLang="en-US" sz="2400" b="1" dirty="0">
+              <a:solidFill>
+                <a:srgbClr val="92D050"/>
+              </a:solidFill>
+              <a:latin typeface="微软雅黑" panose="020B0503020204020204" pitchFamily="34" charset="-122"/>
+              <a:ea typeface="微软雅黑" panose="020B0503020204020204" pitchFamily="34" charset="-122"/>
+            </a:endParaRPr>
+          </a:p>
+        </p:txBody>
+      </p:sp>
+      <p:sp>
+        <p:nvSpPr>
+          <p:cNvPr id="4" name="文本框 3"/>
+          <p:cNvSpPr txBox="1"/>
+          <p:nvPr/>
+        </p:nvSpPr>
+        <p:spPr>
+          <a:xfrm>
+            <a:off x="1391920" y="2966720"/>
+            <a:ext cx="6360160" cy="1198880"/>
+          </a:xfrm>
+          <a:prstGeom prst="rect">
+            <a:avLst/>
+          </a:prstGeom>
+          <a:noFill/>
+        </p:spPr>
+        <p:txBody>
+          <a:bodyPr wrap="square" rtlCol="0">
+            <a:spAutoFit/>
+          </a:bodyPr>
+          <a:p>
+            <a:pPr algn="l"/>
+            <a:r>
+              <a:rPr lang="en-US" altLang="zh-CN" sz="2400" b="1" dirty="0">
+                <a:solidFill>
+                  <a:srgbClr val="92D050"/>
+                </a:solidFill>
+                <a:latin typeface="微软雅黑" panose="020B0503020204020204" pitchFamily="34" charset="-122"/>
+                <a:ea typeface="微软雅黑" panose="020B0503020204020204" pitchFamily="34" charset="-122"/>
+              </a:rPr>
+              <a:t>CSS(Cascoding Style Sheet)</a:t>
+            </a:r>
+            <a:r>
+              <a:rPr lang="zh-CN" altLang="en-US" sz="2400" b="1" dirty="0">
+                <a:solidFill>
+                  <a:srgbClr val="92D050"/>
+                </a:solidFill>
+                <a:latin typeface="微软雅黑" panose="020B0503020204020204" pitchFamily="34" charset="-122"/>
+                <a:ea typeface="微软雅黑" panose="020B0503020204020204" pitchFamily="34" charset="-122"/>
+              </a:rPr>
+              <a:t>层叠样式表</a:t>
+            </a:r>
+            <a:r>
+              <a:rPr lang="en-US" altLang="zh-CN" sz="2400" b="1" dirty="0">
+                <a:solidFill>
+                  <a:srgbClr val="92D050"/>
+                </a:solidFill>
+                <a:latin typeface="微软雅黑" panose="020B0503020204020204" pitchFamily="34" charset="-122"/>
+                <a:ea typeface="微软雅黑" panose="020B0503020204020204" pitchFamily="34" charset="-122"/>
+              </a:rPr>
+              <a:t>,</a:t>
+            </a:r>
+            <a:r>
+              <a:rPr lang="zh-CN" sz="2400" b="1" dirty="0">
+                <a:solidFill>
+                  <a:srgbClr val="92D050"/>
+                </a:solidFill>
+                <a:latin typeface="微软雅黑" panose="020B0503020204020204" pitchFamily="34" charset="-122"/>
+                <a:ea typeface="微软雅黑" panose="020B0503020204020204" pitchFamily="34" charset="-122"/>
+              </a:rPr>
+              <a:t>就是通过设定</a:t>
+            </a:r>
+            <a:r>
+              <a:rPr lang="en-US" altLang="zh-CN" sz="2400" b="1" dirty="0">
+                <a:solidFill>
+                  <a:srgbClr val="92D050"/>
+                </a:solidFill>
+                <a:latin typeface="微软雅黑" panose="020B0503020204020204" pitchFamily="34" charset="-122"/>
+                <a:ea typeface="微软雅黑" panose="020B0503020204020204" pitchFamily="34" charset="-122"/>
+              </a:rPr>
+              <a:t>HTML</a:t>
+            </a:r>
+            <a:r>
+              <a:rPr lang="zh-CN" altLang="en-US" sz="2400" b="1" dirty="0">
+                <a:solidFill>
+                  <a:srgbClr val="92D050"/>
+                </a:solidFill>
+                <a:latin typeface="微软雅黑" panose="020B0503020204020204" pitchFamily="34" charset="-122"/>
+                <a:ea typeface="微软雅黑" panose="020B0503020204020204" pitchFamily="34" charset="-122"/>
+              </a:rPr>
+              <a:t>元素的属性</a:t>
+            </a:r>
+            <a:r>
+              <a:rPr lang="en-US" altLang="zh-CN" sz="2400" b="1" dirty="0">
+                <a:solidFill>
+                  <a:srgbClr val="92D050"/>
+                </a:solidFill>
+                <a:latin typeface="微软雅黑" panose="020B0503020204020204" pitchFamily="34" charset="-122"/>
+                <a:ea typeface="微软雅黑" panose="020B0503020204020204" pitchFamily="34" charset="-122"/>
+              </a:rPr>
+              <a:t>,</a:t>
+            </a:r>
+            <a:r>
+              <a:rPr lang="zh-CN" altLang="en-US" sz="2400" b="1" dirty="0">
+                <a:solidFill>
+                  <a:srgbClr val="92D050"/>
+                </a:solidFill>
+                <a:latin typeface="微软雅黑" panose="020B0503020204020204" pitchFamily="34" charset="-122"/>
+                <a:ea typeface="微软雅黑" panose="020B0503020204020204" pitchFamily="34" charset="-122"/>
+              </a:rPr>
+              <a:t>来设定</a:t>
+            </a:r>
+            <a:r>
+              <a:rPr lang="en-US" altLang="zh-CN" sz="2400" b="1" dirty="0">
+                <a:solidFill>
+                  <a:srgbClr val="92D050"/>
+                </a:solidFill>
+                <a:latin typeface="微软雅黑" panose="020B0503020204020204" pitchFamily="34" charset="-122"/>
+                <a:ea typeface="微软雅黑" panose="020B0503020204020204" pitchFamily="34" charset="-122"/>
+              </a:rPr>
+              <a:t>HTML</a:t>
+            </a:r>
+            <a:r>
+              <a:rPr lang="zh-CN" altLang="en-US" sz="2400" b="1" dirty="0">
+                <a:solidFill>
+                  <a:srgbClr val="92D050"/>
+                </a:solidFill>
+                <a:latin typeface="微软雅黑" panose="020B0503020204020204" pitchFamily="34" charset="-122"/>
+                <a:ea typeface="微软雅黑" panose="020B0503020204020204" pitchFamily="34" charset="-122"/>
+              </a:rPr>
+              <a:t>文件的样式</a:t>
+            </a:r>
+            <a:endParaRPr lang="zh-CN" altLang="en-US" sz="2400" b="1" dirty="0">
+              <a:solidFill>
+                <a:srgbClr val="92D050"/>
               </a:solidFill>
               <a:latin typeface="微软雅黑" panose="020B0503020204020204" pitchFamily="34" charset="-122"/>
               <a:ea typeface="微软雅黑" panose="020B0503020204020204" pitchFamily="34" charset="-122"/>
@@ -12764,7 +12559,7 @@
         </p:nvSpPr>
         <p:spPr bwMode="auto">
           <a:xfrm>
-            <a:off x="2135039" y="1235492"/>
+            <a:off x="2132965" y="1329055"/>
             <a:ext cx="4964430" cy="276860"/>
           </a:xfrm>
           <a:prstGeom prst="rect">
@@ -12828,7 +12623,7 @@
         </p:nvSpPr>
         <p:spPr>
           <a:xfrm>
-            <a:off x="2333794" y="398245"/>
+            <a:off x="2331720" y="895985"/>
             <a:ext cx="4480560" cy="521970"/>
           </a:xfrm>
           <a:prstGeom prst="rect">
@@ -12844,14 +12639,24 @@
           <a:p>
             <a:pPr algn="ctr"/>
             <a:r>
-              <a:rPr lang="zh-CN" altLang="en-US" sz="2800" b="1" dirty="0">
+              <a:rPr lang="en-US" sz="2800" b="1" dirty="0">
                 <a:solidFill>
                   <a:srgbClr val="FFC000"/>
                 </a:solidFill>
                 <a:latin typeface="微软雅黑" panose="020B0503020204020204" pitchFamily="34" charset="-122"/>
                 <a:ea typeface="微软雅黑" panose="020B0503020204020204" pitchFamily="34" charset="-122"/>
               </a:rPr>
-              <a:t>属性介绍</a:t>
+              <a:t>CSS</a:t>
+            </a:r>
+            <a:r>
+              <a:rPr lang="zh-CN" altLang="en-US" sz="2800" b="1" dirty="0">
+                <a:solidFill>
+                  <a:srgbClr val="FFC000"/>
+                </a:solidFill>
+                <a:latin typeface="微软雅黑" panose="020B0503020204020204" pitchFamily="34" charset="-122"/>
+                <a:ea typeface="微软雅黑" panose="020B0503020204020204" pitchFamily="34" charset="-122"/>
+              </a:rPr>
+              <a:t>的导入方式</a:t>
             </a:r>
             <a:endParaRPr lang="zh-CN" altLang="en-US" sz="2800" b="1" dirty="0">
               <a:solidFill>
@@ -12871,8 +12676,8 @@
         </p:nvSpPr>
         <p:spPr>
           <a:xfrm>
-            <a:off x="1547664" y="1258242"/>
-            <a:ext cx="6139815" cy="1138773"/>
+            <a:off x="1545590" y="1526540"/>
+            <a:ext cx="6139815" cy="2553335"/>
           </a:xfrm>
           <a:prstGeom prst="rect">
             <a:avLst/>
@@ -12887,7 +12692,7 @@
           <a:p>
             <a:pPr algn="l"/>
             <a:r>
-              <a:rPr lang="zh-CN" altLang="en-US" sz="2800" b="1" dirty="0">
+              <a:rPr lang="en-US" altLang="zh-CN" sz="2000" b="1" dirty="0">
                 <a:solidFill>
                   <a:srgbClr val="FFC000"/>
                 </a:solidFill>
@@ -12895,7 +12700,7 @@
                 <a:ea typeface="华文楷体" panose="02010600040101010101" charset="-122"/>
                 <a:cs typeface="华文楷体" panose="02010600040101010101" charset="-122"/>
               </a:rPr>
-              <a:t>什么是属性？</a:t>
+              <a:t>1.内联样式,行内样式-耦合,代码冗余,不易维护</a:t>
             </a:r>
             <a:endParaRPr lang="en-US" altLang="zh-CN" sz="2000" b="1" dirty="0">
               <a:solidFill>
@@ -12917,18 +12722,7 @@
                 <a:ea typeface="华文楷体" panose="02010600040101010101" charset="-122"/>
                 <a:cs typeface="华文楷体" panose="02010600040101010101" charset="-122"/>
               </a:rPr>
-              <a:t>	</a:t>
-            </a:r>
-            <a:r>
-              <a:rPr lang="zh-CN" altLang="en-US" sz="2000" b="1" dirty="0">
-                <a:solidFill>
-                  <a:srgbClr val="FFC000"/>
-                </a:solidFill>
-                <a:latin typeface="华文楷体" panose="02010600040101010101" charset="-122"/>
-                <a:ea typeface="华文楷体" panose="02010600040101010101" charset="-122"/>
-                <a:cs typeface="华文楷体" panose="02010600040101010101" charset="-122"/>
-              </a:rPr>
-              <a:t>描述事物的一些标记或者标志，如人的姓名，性别等</a:t>
+              <a:t>2.内部样式,比行内样式灵活,代码与HTML文档样式耦合,只能装饰一个HTML文档</a:t>
             </a:r>
             <a:endParaRPr lang="en-US" altLang="zh-CN" sz="2000" b="1" dirty="0">
               <a:solidFill>
@@ -12939,33 +12733,10 @@
               <a:cs typeface="华文楷体" panose="02010600040101010101" charset="-122"/>
             </a:endParaRPr>
           </a:p>
-        </p:txBody>
-      </p:sp>
-      <p:sp>
-        <p:nvSpPr>
-          <p:cNvPr id="5" name="文本框 4"/>
-          <p:cNvSpPr txBox="1"/>
-          <p:nvPr/>
-        </p:nvSpPr>
-        <p:spPr>
-          <a:xfrm>
-            <a:off x="1551283" y="2538675"/>
-            <a:ext cx="6139815" cy="830997"/>
-          </a:xfrm>
-          <a:prstGeom prst="rect">
-            <a:avLst/>
-          </a:prstGeom>
-          <a:noFill/>
-        </p:spPr>
-        <p:txBody>
-          <a:bodyPr wrap="square" rtlCol="0">
-            <a:spAutoFit/>
-          </a:bodyPr>
-          <a:lstStyle/>
           <a:p>
             <a:pPr algn="l"/>
             <a:r>
-              <a:rPr lang="zh-CN" altLang="en-US" sz="2800" b="1" dirty="0">
+              <a:rPr lang="en-US" altLang="zh-CN" sz="2000" b="1" dirty="0">
                 <a:solidFill>
                   <a:srgbClr val="FFC000"/>
                 </a:solidFill>
@@ -12973,7 +12744,7 @@
                 <a:ea typeface="华文楷体" panose="02010600040101010101" charset="-122"/>
                 <a:cs typeface="华文楷体" panose="02010600040101010101" charset="-122"/>
               </a:rPr>
-              <a:t>属性的类别？</a:t>
+              <a:t>3.链接外部样式文件link .css文件  推荐使用</a:t>
             </a:r>
             <a:endParaRPr lang="en-US" altLang="zh-CN" sz="2000" b="1" dirty="0">
               <a:solidFill>
@@ -12995,40 +12766,7 @@
                 <a:ea typeface="华文楷体" panose="02010600040101010101" charset="-122"/>
                 <a:cs typeface="华文楷体" panose="02010600040101010101" charset="-122"/>
               </a:rPr>
-              <a:t>	</a:t>
-            </a:r>
-            <a:r>
-              <a:rPr lang="zh-CN" altLang="en-US" sz="2000" b="1" dirty="0">
-                <a:solidFill>
-                  <a:srgbClr val="FFC000"/>
-                </a:solidFill>
-                <a:latin typeface="华文楷体" panose="02010600040101010101" charset="-122"/>
-                <a:ea typeface="华文楷体" panose="02010600040101010101" charset="-122"/>
-                <a:cs typeface="华文楷体" panose="02010600040101010101" charset="-122"/>
-              </a:rPr>
-              <a:t>原生属性</a:t>
-            </a:r>
-            <a:r>
-              <a:rPr lang="en-US" altLang="zh-CN" sz="2000" b="1" dirty="0">
-                <a:solidFill>
-                  <a:srgbClr val="FFC000"/>
-                </a:solidFill>
-                <a:latin typeface="华文楷体" panose="02010600040101010101" charset="-122"/>
-                <a:ea typeface="华文楷体" panose="02010600040101010101" charset="-122"/>
-                <a:cs typeface="华文楷体" panose="02010600040101010101" charset="-122"/>
-              </a:rPr>
-              <a:t>	</a:t>
-            </a:r>
-            <a:r>
-              <a:rPr lang="zh-CN" altLang="en-US" sz="2000" b="1" dirty="0">
-                <a:solidFill>
-                  <a:srgbClr val="FFC000"/>
-                </a:solidFill>
-                <a:latin typeface="华文楷体" panose="02010600040101010101" charset="-122"/>
-                <a:ea typeface="华文楷体" panose="02010600040101010101" charset="-122"/>
-                <a:cs typeface="华文楷体" panose="02010600040101010101" charset="-122"/>
-              </a:rPr>
-              <a:t>自定义属性</a:t>
+              <a:t>4.导入外部样式文档,&lt;style&gt;@import url("样式文件路径") 或者  @import "样式文件路径"&lt;/style&gt;  会造成闪屏,不推荐使用</a:t>
             </a:r>
             <a:endParaRPr lang="en-US" altLang="zh-CN" sz="2000" b="1" dirty="0">
               <a:solidFill>
@@ -13039,33 +12777,10 @@
               <a:cs typeface="华文楷体" panose="02010600040101010101" charset="-122"/>
             </a:endParaRPr>
           </a:p>
-        </p:txBody>
-      </p:sp>
-      <p:sp>
-        <p:nvSpPr>
-          <p:cNvPr id="6" name="文本框 5"/>
-          <p:cNvSpPr txBox="1"/>
-          <p:nvPr/>
-        </p:nvSpPr>
-        <p:spPr>
-          <a:xfrm>
-            <a:off x="1547664" y="3511332"/>
-            <a:ext cx="6139815" cy="830997"/>
-          </a:xfrm>
-          <a:prstGeom prst="rect">
-            <a:avLst/>
-          </a:prstGeom>
-          <a:noFill/>
-        </p:spPr>
-        <p:txBody>
-          <a:bodyPr wrap="square" rtlCol="0">
-            <a:spAutoFit/>
-          </a:bodyPr>
-          <a:lstStyle/>
           <a:p>
             <a:pPr algn="l"/>
             <a:r>
-              <a:rPr lang="zh-CN" altLang="en-US" sz="2800" b="1" dirty="0">
+              <a:rPr lang="en-US" altLang="zh-CN" sz="2000" b="1" dirty="0">
                 <a:solidFill>
                   <a:srgbClr val="FFC000"/>
                 </a:solidFill>
@@ -13073,40 +12788,7 @@
                 <a:ea typeface="华文楷体" panose="02010600040101010101" charset="-122"/>
                 <a:cs typeface="华文楷体" panose="02010600040101010101" charset="-122"/>
               </a:rPr>
-              <a:t>常用属性？</a:t>
-            </a:r>
-            <a:endParaRPr lang="en-US" altLang="zh-CN" sz="2000" b="1" dirty="0">
-              <a:solidFill>
-                <a:srgbClr val="FFC000"/>
-              </a:solidFill>
-              <a:latin typeface="华文楷体" panose="02010600040101010101" charset="-122"/>
-              <a:ea typeface="华文楷体" panose="02010600040101010101" charset="-122"/>
-              <a:cs typeface="华文楷体" panose="02010600040101010101" charset="-122"/>
-            </a:endParaRPr>
-          </a:p>
-          <a:p>
-            <a:pPr algn="l"/>
-            <a:r>
-              <a:rPr lang="en-US" altLang="zh-CN" sz="2000" b="1" dirty="0">
-                <a:solidFill>
-                  <a:srgbClr val="FFC000"/>
-                </a:solidFill>
-                <a:latin typeface="华文楷体" panose="02010600040101010101" charset="-122"/>
-                <a:ea typeface="华文楷体" panose="02010600040101010101" charset="-122"/>
-                <a:cs typeface="华文楷体" panose="02010600040101010101" charset="-122"/>
-              </a:rPr>
-              <a:t>	id   class    name –value</a:t>
-            </a:r>
-            <a:r>
-              <a:rPr lang="zh-CN" altLang="en-US" sz="2000" b="1" dirty="0">
-                <a:solidFill>
-                  <a:srgbClr val="FFC000"/>
-                </a:solidFill>
-                <a:latin typeface="华文楷体" panose="02010600040101010101" charset="-122"/>
-                <a:ea typeface="华文楷体" panose="02010600040101010101" charset="-122"/>
-                <a:cs typeface="华文楷体" panose="02010600040101010101" charset="-122"/>
-              </a:rPr>
-              <a:t>（成对出现）</a:t>
+              <a:t>	权重	内联&gt;内部&gt;import&gt;link</a:t>
             </a:r>
             <a:endParaRPr lang="en-US" altLang="zh-CN" sz="2000" b="1" dirty="0">
               <a:solidFill>
@@ -13356,7 +13038,7 @@
         </p:nvSpPr>
         <p:spPr>
           <a:xfrm>
-            <a:off x="2331720" y="895985"/>
+            <a:off x="2331720" y="501015"/>
             <a:ext cx="4480560" cy="521970"/>
           </a:xfrm>
           <a:prstGeom prst="rect">
@@ -13372,14 +13054,14 @@
           <a:p>
             <a:pPr algn="ctr"/>
             <a:r>
-              <a:rPr lang="en-US" altLang="zh-CN" sz="2800" b="1" dirty="0">
+              <a:rPr lang="en-US" sz="2800" b="1" dirty="0">
                 <a:solidFill>
                   <a:srgbClr val="FFC000"/>
                 </a:solidFill>
                 <a:latin typeface="微软雅黑" panose="020B0503020204020204" pitchFamily="34" charset="-122"/>
                 <a:ea typeface="微软雅黑" panose="020B0503020204020204" pitchFamily="34" charset="-122"/>
               </a:rPr>
-              <a:t>Form</a:t>
+              <a:t>CSS</a:t>
             </a:r>
             <a:r>
               <a:rPr lang="zh-CN" altLang="en-US" sz="2800" b="1" dirty="0">
@@ -13389,7 +13071,7 @@
                 <a:latin typeface="微软雅黑" panose="020B0503020204020204" pitchFamily="34" charset="-122"/>
                 <a:ea typeface="微软雅黑" panose="020B0503020204020204" pitchFamily="34" charset="-122"/>
               </a:rPr>
-              <a:t>表单提交</a:t>
+              <a:t>选择器</a:t>
             </a:r>
             <a:endParaRPr lang="zh-CN" altLang="en-US" sz="2800" b="1" dirty="0">
               <a:solidFill>
@@ -13409,8 +13091,8 @@
         </p:nvSpPr>
         <p:spPr>
           <a:xfrm>
-            <a:off x="1545590" y="1526540"/>
-            <a:ext cx="6139815" cy="2246769"/>
+            <a:off x="1545590" y="1167130"/>
+            <a:ext cx="6139815" cy="1630045"/>
           </a:xfrm>
           <a:prstGeom prst="rect">
             <a:avLst/>
@@ -13425,7 +13107,7 @@
           <a:p>
             <a:pPr algn="l"/>
             <a:r>
-              <a:rPr lang="en-US" altLang="zh-CN" sz="2000" b="1" dirty="0">
+              <a:rPr lang="en-US" sz="2000" b="1" dirty="0">
                 <a:solidFill>
                   <a:srgbClr val="FFC000"/>
                 </a:solidFill>
@@ -13433,9 +13115,20 @@
                 <a:ea typeface="华文楷体" panose="02010600040101010101" charset="-122"/>
                 <a:cs typeface="华文楷体" panose="02010600040101010101" charset="-122"/>
               </a:rPr>
-              <a:t>&lt;form&gt;</a:t>
-            </a:r>
-            <a:endParaRPr lang="en-US" altLang="zh-CN" sz="2000" b="1" dirty="0">
+              <a:t>css</a:t>
+            </a:r>
+            <a:r>
+              <a:rPr lang="zh-CN" altLang="en-US" sz="2000" b="1" dirty="0">
+                <a:solidFill>
+                  <a:srgbClr val="FFC000"/>
+                </a:solidFill>
+                <a:latin typeface="华文楷体" panose="02010600040101010101" charset="-122"/>
+                <a:ea typeface="华文楷体" panose="02010600040101010101" charset="-122"/>
+                <a:cs typeface="华文楷体" panose="02010600040101010101" charset="-122"/>
+              </a:rPr>
+              <a:t>选择器</a:t>
+            </a:r>
+            <a:endParaRPr lang="zh-CN" altLang="en-US" sz="2000" b="1" dirty="0">
               <a:solidFill>
                 <a:srgbClr val="FFC000"/>
               </a:solidFill>
@@ -13455,7 +13148,7 @@
                 <a:ea typeface="华文楷体" panose="02010600040101010101" charset="-122"/>
                 <a:cs typeface="华文楷体" panose="02010600040101010101" charset="-122"/>
               </a:rPr>
-              <a:t>	</a:t>
+              <a:t>*</a:t>
             </a:r>
             <a:r>
               <a:rPr lang="zh-CN" altLang="en-US" sz="2000" b="1" dirty="0">
@@ -13466,53 +13159,9 @@
                 <a:ea typeface="华文楷体" panose="02010600040101010101" charset="-122"/>
                 <a:cs typeface="华文楷体" panose="02010600040101010101" charset="-122"/>
               </a:rPr>
-              <a:t>表单标签</a:t>
-            </a:r>
-            <a:r>
-              <a:rPr lang="en-US" altLang="zh-CN" sz="2000" b="1" dirty="0">
-                <a:solidFill>
-                  <a:srgbClr val="FFC000"/>
-                </a:solidFill>
-                <a:latin typeface="华文楷体" panose="02010600040101010101" charset="-122"/>
-                <a:ea typeface="华文楷体" panose="02010600040101010101" charset="-122"/>
-                <a:cs typeface="华文楷体" panose="02010600040101010101" charset="-122"/>
-              </a:rPr>
-              <a:t>form</a:t>
-            </a:r>
-            <a:r>
-              <a:rPr lang="zh-CN" altLang="en-US" sz="2000" b="1" dirty="0">
-                <a:solidFill>
-                  <a:srgbClr val="FFC000"/>
-                </a:solidFill>
-                <a:latin typeface="华文楷体" panose="02010600040101010101" charset="-122"/>
-                <a:ea typeface="华文楷体" panose="02010600040101010101" charset="-122"/>
-                <a:cs typeface="华文楷体" panose="02010600040101010101" charset="-122"/>
-              </a:rPr>
-              <a:t>不可以用来修饰文字，它用来包裹</a:t>
-            </a:r>
-            <a:r>
-              <a:rPr lang="en-US" altLang="zh-CN" sz="2000" b="1" dirty="0">
-                <a:solidFill>
-                  <a:srgbClr val="FFC000"/>
-                </a:solidFill>
-                <a:latin typeface="华文楷体" panose="02010600040101010101" charset="-122"/>
-                <a:ea typeface="华文楷体" panose="02010600040101010101" charset="-122"/>
-                <a:cs typeface="华文楷体" panose="02010600040101010101" charset="-122"/>
-              </a:rPr>
-              <a:t>  </a:t>
-            </a:r>
-            <a:r>
-              <a:rPr lang="zh-CN" altLang="en-US" sz="2000" b="1" dirty="0">
-                <a:solidFill>
-                  <a:srgbClr val="FFC000"/>
-                </a:solidFill>
-                <a:latin typeface="华文楷体" panose="02010600040101010101" charset="-122"/>
-                <a:ea typeface="华文楷体" panose="02010600040101010101" charset="-122"/>
-                <a:cs typeface="华文楷体" panose="02010600040101010101" charset="-122"/>
-              </a:rPr>
-              <a:t>一组其它标签，用以形成一张表单</a:t>
-            </a:r>
-            <a:endParaRPr lang="en-US" altLang="zh-CN" sz="2000" b="1" dirty="0">
+              <a:t>通配符选择器</a:t>
+            </a:r>
+            <a:endParaRPr lang="zh-CN" altLang="en-US" sz="2000" b="1" dirty="0">
               <a:solidFill>
                 <a:srgbClr val="FFC000"/>
               </a:solidFill>
@@ -13532,9 +13181,20 @@
                 <a:ea typeface="华文楷体" panose="02010600040101010101" charset="-122"/>
                 <a:cs typeface="华文楷体" panose="02010600040101010101" charset="-122"/>
               </a:rPr>
-              <a:t>&lt;/form&gt;</a:t>
-            </a:r>
-            <a:endParaRPr lang="en-US" altLang="zh-CN" sz="2000" b="1" dirty="0">
+              <a:t>#id</a:t>
+            </a:r>
+            <a:r>
+              <a:rPr lang="zh-CN" altLang="en-US" sz="2000" b="1" dirty="0">
+                <a:solidFill>
+                  <a:srgbClr val="FFC000"/>
+                </a:solidFill>
+                <a:latin typeface="华文楷体" panose="02010600040101010101" charset="-122"/>
+                <a:ea typeface="华文楷体" panose="02010600040101010101" charset="-122"/>
+                <a:cs typeface="华文楷体" panose="02010600040101010101" charset="-122"/>
+              </a:rPr>
+              <a:t>选择器</a:t>
+            </a:r>
+            <a:endParaRPr lang="zh-CN" altLang="en-US" sz="2000" b="1" dirty="0">
               <a:solidFill>
                 <a:srgbClr val="FFC000"/>
               </a:solidFill>
@@ -13545,7 +13205,29 @@
           </a:p>
           <a:p>
             <a:pPr algn="l"/>
-            <a:endParaRPr lang="en-US" altLang="zh-CN" sz="2000" b="1" dirty="0">
+            <a:r>
+              <a:rPr lang="en-US" altLang="zh-CN" sz="2000" b="1" dirty="0">
+                <a:solidFill>
+                  <a:srgbClr val="FFC000"/>
+                </a:solidFill>
+                <a:latin typeface="华文楷体" panose="02010600040101010101" charset="-122"/>
+                <a:ea typeface="华文楷体" panose="02010600040101010101" charset="-122"/>
+                <a:cs typeface="华文楷体" panose="02010600040101010101" charset="-122"/>
+              </a:rPr>
+              <a:t>.class</a:t>
+            </a:r>
+            <a:r>
+              <a:rPr lang="zh-CN" altLang="en-US" sz="2000" b="1" dirty="0">
+                <a:solidFill>
+                  <a:srgbClr val="FFC000"/>
+                </a:solidFill>
+                <a:latin typeface="华文楷体" panose="02010600040101010101" charset="-122"/>
+                <a:ea typeface="华文楷体" panose="02010600040101010101" charset="-122"/>
+                <a:cs typeface="华文楷体" panose="02010600040101010101" charset="-122"/>
+              </a:rPr>
+              <a:t>类选择器</a:t>
+            </a:r>
+            <a:endParaRPr lang="zh-CN" altLang="en-US" sz="2000" b="1" dirty="0">
               <a:solidFill>
                 <a:srgbClr val="FFC000"/>
               </a:solidFill>
@@ -13557,7 +13239,7 @@
           <a:p>
             <a:pPr algn="l"/>
             <a:r>
-              <a:rPr lang="zh-CN" altLang="en-US" sz="2000" b="1" dirty="0">
+              <a:rPr lang="en-US" altLang="zh-CN" sz="2000" b="1" dirty="0">
                 <a:solidFill>
                   <a:srgbClr val="FFC000"/>
                 </a:solidFill>
@@ -13565,10 +13247,10 @@
                 <a:ea typeface="华文楷体" panose="02010600040101010101" charset="-122"/>
                 <a:cs typeface="华文楷体" panose="02010600040101010101" charset="-122"/>
               </a:rPr>
-              <a:t>表单属性</a:t>
-            </a:r>
-            <a:r>
-              <a:rPr lang="en-US" altLang="zh-CN" sz="2000" b="1" dirty="0">
+              <a:t>p</a:t>
+            </a:r>
+            <a:r>
+              <a:rPr lang="zh-CN" altLang="en-US" sz="2000" b="1" dirty="0">
                 <a:solidFill>
                   <a:srgbClr val="FFC000"/>
                 </a:solidFill>
@@ -13576,53 +13258,9 @@
                 <a:ea typeface="华文楷体" panose="02010600040101010101" charset="-122"/>
                 <a:cs typeface="华文楷体" panose="02010600040101010101" charset="-122"/>
               </a:rPr>
-              <a:t>(</a:t>
-            </a:r>
-            <a:r>
-              <a:rPr lang="zh-CN" altLang="en-US" sz="2000" b="1" dirty="0">
-                <a:solidFill>
-                  <a:srgbClr val="92D050"/>
-                </a:solidFill>
-                <a:latin typeface="华文楷体" panose="02010600040101010101" charset="-122"/>
-                <a:ea typeface="华文楷体" panose="02010600040101010101" charset="-122"/>
-                <a:cs typeface="华文楷体" panose="02010600040101010101" charset="-122"/>
-              </a:rPr>
-              <a:t>小写</a:t>
-            </a:r>
-            <a:r>
-              <a:rPr lang="en-US" altLang="zh-CN" sz="2000" b="1" dirty="0">
-                <a:solidFill>
-                  <a:srgbClr val="FFC000"/>
-                </a:solidFill>
-                <a:latin typeface="华文楷体" panose="02010600040101010101" charset="-122"/>
-                <a:ea typeface="华文楷体" panose="02010600040101010101" charset="-122"/>
-                <a:cs typeface="华文楷体" panose="02010600040101010101" charset="-122"/>
-              </a:rPr>
-              <a:t>)</a:t>
-            </a:r>
-            <a:endParaRPr lang="en-US" altLang="zh-CN" sz="2000" b="1" dirty="0">
-              <a:solidFill>
-                <a:srgbClr val="FFC000"/>
-              </a:solidFill>
-              <a:latin typeface="华文楷体" panose="02010600040101010101" charset="-122"/>
-              <a:ea typeface="华文楷体" panose="02010600040101010101" charset="-122"/>
-              <a:cs typeface="华文楷体" panose="02010600040101010101" charset="-122"/>
-            </a:endParaRPr>
-          </a:p>
-          <a:p>
-            <a:pPr algn="l"/>
-            <a:r>
-              <a:rPr lang="en-US" altLang="zh-CN" sz="2000" b="1" dirty="0">
-                <a:solidFill>
-                  <a:srgbClr val="FFC000"/>
-                </a:solidFill>
-                <a:latin typeface="华文楷体" panose="02010600040101010101" charset="-122"/>
-                <a:ea typeface="华文楷体" panose="02010600040101010101" charset="-122"/>
-                <a:cs typeface="华文楷体" panose="02010600040101010101" charset="-122"/>
-              </a:rPr>
-              <a:t>	id	action		method</a:t>
-            </a:r>
-            <a:endParaRPr lang="en-US" altLang="zh-CN" sz="2000" b="1" dirty="0">
+              <a:t>标签选择器</a:t>
+            </a:r>
+            <a:endParaRPr lang="zh-CN" altLang="en-US" sz="2000" b="1" dirty="0">
               <a:solidFill>
                 <a:srgbClr val="FFC000"/>
               </a:solidFill>
@@ -13870,8 +13508,8 @@
         </p:nvSpPr>
         <p:spPr>
           <a:xfrm>
-            <a:off x="2331720" y="501015"/>
-            <a:ext cx="4480560" cy="521970"/>
+            <a:off x="2331720" y="895985"/>
+            <a:ext cx="4480560" cy="645160"/>
           </a:xfrm>
           <a:prstGeom prst="rect">
             <a:avLst/>
@@ -13886,51 +13524,51 @@
           <a:p>
             <a:pPr algn="ctr"/>
             <a:r>
+              <a:rPr lang="zh-CN" altLang="en-US" sz="2800" b="1" dirty="0">
+                <a:solidFill>
+                  <a:srgbClr val="FFC000"/>
+                </a:solidFill>
+                <a:latin typeface="仿宋" panose="02010609060101010101" pitchFamily="49" charset="-122"/>
+                <a:ea typeface="仿宋" panose="02010609060101010101" pitchFamily="49" charset="-122"/>
+              </a:rPr>
+              <a:t>绝对路径 </a:t>
+            </a:r>
+            <a:r>
+              <a:rPr lang="en-US" altLang="zh-CN" sz="3600" b="1" dirty="0">
+                <a:solidFill>
+                  <a:srgbClr val="92D050"/>
+                </a:solidFill>
+                <a:latin typeface="仿宋" panose="02010609060101010101" pitchFamily="49" charset="-122"/>
+                <a:ea typeface="仿宋" panose="02010609060101010101" pitchFamily="49" charset="-122"/>
+              </a:rPr>
+              <a:t>vs</a:t>
+            </a:r>
+            <a:r>
               <a:rPr lang="en-US" altLang="zh-CN" sz="2800" b="1" dirty="0">
                 <a:solidFill>
                   <a:srgbClr val="FFC000"/>
                 </a:solidFill>
-                <a:latin typeface="微软雅黑" panose="020B0503020204020204" pitchFamily="34" charset="-122"/>
-                <a:ea typeface="微软雅黑" panose="020B0503020204020204" pitchFamily="34" charset="-122"/>
+                <a:latin typeface="仿宋" panose="02010609060101010101" pitchFamily="49" charset="-122"/>
+                <a:ea typeface="仿宋" panose="02010609060101010101" pitchFamily="49" charset="-122"/>
               </a:rPr>
-              <a:t>Input</a:t>
+              <a:t> </a:t>
             </a:r>
             <a:r>
               <a:rPr lang="zh-CN" altLang="en-US" sz="2800" b="1" dirty="0">
                 <a:solidFill>
                   <a:srgbClr val="FFC000"/>
                 </a:solidFill>
-                <a:latin typeface="微软雅黑" panose="020B0503020204020204" pitchFamily="34" charset="-122"/>
-                <a:ea typeface="微软雅黑" panose="020B0503020204020204" pitchFamily="34" charset="-122"/>
+                <a:latin typeface="仿宋" panose="02010609060101010101" pitchFamily="49" charset="-122"/>
+                <a:ea typeface="仿宋" panose="02010609060101010101" pitchFamily="49" charset="-122"/>
               </a:rPr>
-              <a:t>标签</a:t>
-            </a:r>
-            <a:r>
-              <a:rPr lang="en-US" altLang="zh-CN" sz="2800" b="1" dirty="0">
-                <a:solidFill>
-                  <a:srgbClr val="FFC000"/>
-                </a:solidFill>
-                <a:latin typeface="微软雅黑" panose="020B0503020204020204" pitchFamily="34" charset="-122"/>
-                <a:ea typeface="微软雅黑" panose="020B0503020204020204" pitchFamily="34" charset="-122"/>
-              </a:rPr>
-              <a:t>-</a:t>
-            </a:r>
-            <a:r>
-              <a:rPr lang="zh-CN" altLang="en-US" sz="2800" b="1" dirty="0">
-                <a:solidFill>
-                  <a:srgbClr val="92D050"/>
-                </a:solidFill>
-                <a:latin typeface="微软雅黑" panose="020B0503020204020204" pitchFamily="34" charset="-122"/>
-                <a:ea typeface="微软雅黑" panose="020B0503020204020204" pitchFamily="34" charset="-122"/>
-              </a:rPr>
-              <a:t>变形金刚</a:t>
+              <a:t>相对路径</a:t>
             </a:r>
             <a:endParaRPr lang="zh-CN" altLang="en-US" sz="2800" b="1" dirty="0">
               <a:solidFill>
-                <a:srgbClr val="92D050"/>
+                <a:srgbClr val="FFC000"/>
               </a:solidFill>
-              <a:latin typeface="微软雅黑" panose="020B0503020204020204" pitchFamily="34" charset="-122"/>
-              <a:ea typeface="微软雅黑" panose="020B0503020204020204" pitchFamily="34" charset="-122"/>
+              <a:latin typeface="仿宋" panose="02010609060101010101" pitchFamily="49" charset="-122"/>
+              <a:ea typeface="仿宋" panose="02010609060101010101" pitchFamily="49" charset="-122"/>
             </a:endParaRPr>
           </a:p>
         </p:txBody>
@@ -13943,8 +13581,8 @@
         </p:nvSpPr>
         <p:spPr>
           <a:xfrm>
-            <a:off x="1545590" y="1167130"/>
-            <a:ext cx="6139815" cy="3599815"/>
+            <a:off x="1545590" y="1526540"/>
+            <a:ext cx="6863715" cy="398780"/>
           </a:xfrm>
           <a:prstGeom prst="rect">
             <a:avLst/>
@@ -13959,286 +13597,88 @@
           <a:p>
             <a:pPr algn="l"/>
             <a:r>
-              <a:rPr lang="en-US" sz="2000" b="1" dirty="0">
+              <a:rPr lang="zh-CN" altLang="en-US" sz="2000" b="1" dirty="0">
                 <a:solidFill>
                   <a:srgbClr val="FFC000"/>
                 </a:solidFill>
-                <a:latin typeface="华文楷体" panose="02010600040101010101" charset="-122"/>
-                <a:ea typeface="华文楷体" panose="02010600040101010101" charset="-122"/>
+                <a:latin typeface="微软雅黑" panose="020B0503020204020204" pitchFamily="34" charset="-122"/>
+                <a:ea typeface="微软雅黑" panose="020B0503020204020204" pitchFamily="34" charset="-122"/>
                 <a:cs typeface="华文楷体" panose="02010600040101010101" charset="-122"/>
               </a:rPr>
-              <a:t>input</a:t>
-            </a:r>
-            <a:r>
-              <a:rPr lang="zh-CN" altLang="en-US" sz="2000" b="1" dirty="0">
+              <a:t>绝对路径</a:t>
+            </a:r>
+            <a:r>
+              <a:rPr lang="en-US" altLang="zh-CN" sz="2000" b="1" dirty="0">
                 <a:solidFill>
                   <a:srgbClr val="FFC000"/>
                 </a:solidFill>
-                <a:latin typeface="华文楷体" panose="02010600040101010101" charset="-122"/>
-                <a:ea typeface="华文楷体" panose="02010600040101010101" charset="-122"/>
+                <a:latin typeface="微软雅黑" panose="020B0503020204020204" pitchFamily="34" charset="-122"/>
+                <a:ea typeface="微软雅黑" panose="020B0503020204020204" pitchFamily="34" charset="-122"/>
                 <a:cs typeface="华文楷体" panose="02010600040101010101" charset="-122"/>
               </a:rPr>
-              <a:t>标签</a:t>
-            </a:r>
-            <a:endParaRPr lang="zh-CN" altLang="en-US" sz="2000" b="1" dirty="0">
-              <a:solidFill>
-                <a:srgbClr val="FFC000"/>
-              </a:solidFill>
-              <a:latin typeface="华文楷体" panose="02010600040101010101" charset="-122"/>
-              <a:ea typeface="华文楷体" panose="02010600040101010101" charset="-122"/>
-              <a:cs typeface="华文楷体" panose="02010600040101010101" charset="-122"/>
-            </a:endParaRPr>
-          </a:p>
-          <a:p>
-            <a:pPr algn="l"/>
-            <a:r>
-              <a:rPr lang="en-US" altLang="zh-CN" sz="2000" b="1" dirty="0">
-                <a:solidFill>
-                  <a:srgbClr val="FFC000"/>
-                </a:solidFill>
-                <a:latin typeface="华文楷体" panose="02010600040101010101" charset="-122"/>
-                <a:ea typeface="华文楷体" panose="02010600040101010101" charset="-122"/>
-                <a:cs typeface="华文楷体" panose="02010600040101010101" charset="-122"/>
-              </a:rPr>
-              <a:t>	input</a:t>
-            </a:r>
-            <a:r>
-              <a:rPr lang="zh-CN" altLang="en-US" sz="2000" b="1" dirty="0">
-                <a:solidFill>
-                  <a:srgbClr val="FFC000"/>
-                </a:solidFill>
-                <a:latin typeface="华文楷体" panose="02010600040101010101" charset="-122"/>
-                <a:ea typeface="华文楷体" panose="02010600040101010101" charset="-122"/>
-                <a:cs typeface="华文楷体" panose="02010600040101010101" charset="-122"/>
-              </a:rPr>
-              <a:t>标签是一种变形标签</a:t>
-            </a:r>
-            <a:r>
-              <a:rPr lang="en-US" altLang="zh-CN" sz="2000" b="1" dirty="0">
-                <a:solidFill>
-                  <a:srgbClr val="FFC000"/>
-                </a:solidFill>
-                <a:latin typeface="华文楷体" panose="02010600040101010101" charset="-122"/>
-                <a:ea typeface="华文楷体" panose="02010600040101010101" charset="-122"/>
-                <a:cs typeface="华文楷体" panose="02010600040101010101" charset="-122"/>
-              </a:rPr>
-              <a:t>,</a:t>
-            </a:r>
-            <a:r>
-              <a:rPr lang="zh-CN" altLang="en-US" sz="2000" b="1" dirty="0">
-                <a:solidFill>
-                  <a:srgbClr val="FFC000"/>
-                </a:solidFill>
-                <a:latin typeface="华文楷体" panose="02010600040101010101" charset="-122"/>
-                <a:ea typeface="华文楷体" panose="02010600040101010101" charset="-122"/>
-                <a:cs typeface="华文楷体" panose="02010600040101010101" charset="-122"/>
-              </a:rPr>
-              <a:t>标签的形态是根据标签</a:t>
-            </a:r>
-            <a:r>
-              <a:rPr lang="en-US" altLang="zh-CN" sz="2000" b="1" dirty="0">
-                <a:solidFill>
-                  <a:srgbClr val="FFC000"/>
-                </a:solidFill>
-                <a:latin typeface="华文楷体" panose="02010600040101010101" charset="-122"/>
-                <a:ea typeface="华文楷体" panose="02010600040101010101" charset="-122"/>
-                <a:cs typeface="华文楷体" panose="02010600040101010101" charset="-122"/>
-              </a:rPr>
-              <a:t>type</a:t>
-            </a:r>
-            <a:r>
-              <a:rPr lang="zh-CN" altLang="en-US" sz="2000" b="1" dirty="0">
-                <a:solidFill>
-                  <a:srgbClr val="FFC000"/>
-                </a:solidFill>
-                <a:latin typeface="华文楷体" panose="02010600040101010101" charset="-122"/>
-                <a:ea typeface="华文楷体" panose="02010600040101010101" charset="-122"/>
-                <a:cs typeface="华文楷体" panose="02010600040101010101" charset="-122"/>
-              </a:rPr>
-              <a:t>属性的值决定的</a:t>
-            </a:r>
-            <a:r>
-              <a:rPr lang="en-US" altLang="zh-CN" sz="2000" b="1" dirty="0">
-                <a:solidFill>
-                  <a:srgbClr val="FFC000"/>
-                </a:solidFill>
-                <a:latin typeface="华文楷体" panose="02010600040101010101" charset="-122"/>
-                <a:ea typeface="华文楷体" panose="02010600040101010101" charset="-122"/>
-                <a:cs typeface="华文楷体" panose="02010600040101010101" charset="-122"/>
-              </a:rPr>
-              <a:t>,input</a:t>
-            </a:r>
-            <a:r>
-              <a:rPr lang="zh-CN" altLang="en-US" sz="2000" b="1" dirty="0">
-                <a:solidFill>
-                  <a:srgbClr val="FFC000"/>
-                </a:solidFill>
-                <a:latin typeface="华文楷体" panose="02010600040101010101" charset="-122"/>
-                <a:ea typeface="华文楷体" panose="02010600040101010101" charset="-122"/>
-                <a:cs typeface="华文楷体" panose="02010600040101010101" charset="-122"/>
-              </a:rPr>
-              <a:t>标签主要是用于收集用户信息</a:t>
-            </a:r>
-            <a:endParaRPr lang="zh-CN" altLang="en-US" sz="2000" b="1" dirty="0">
-              <a:solidFill>
-                <a:srgbClr val="FFC000"/>
-              </a:solidFill>
-              <a:latin typeface="华文楷体" panose="02010600040101010101" charset="-122"/>
-              <a:ea typeface="华文楷体" panose="02010600040101010101" charset="-122"/>
-              <a:cs typeface="华文楷体" panose="02010600040101010101" charset="-122"/>
-            </a:endParaRPr>
-          </a:p>
-          <a:p>
-            <a:pPr algn="l"/>
-            <a:endParaRPr lang="zh-CN" altLang="en-US" sz="2000" b="1" dirty="0">
-              <a:solidFill>
-                <a:srgbClr val="FFC000"/>
-              </a:solidFill>
-              <a:latin typeface="华文楷体" panose="02010600040101010101" charset="-122"/>
-              <a:ea typeface="华文楷体" panose="02010600040101010101" charset="-122"/>
-              <a:cs typeface="华文楷体" panose="02010600040101010101" charset="-122"/>
-            </a:endParaRPr>
-          </a:p>
-          <a:p>
-            <a:pPr algn="l"/>
-            <a:r>
-              <a:rPr lang="en-US" altLang="zh-CN" sz="2000" b="1" dirty="0">
-                <a:solidFill>
-                  <a:srgbClr val="FFC000"/>
-                </a:solidFill>
-                <a:latin typeface="华文楷体" panose="02010600040101010101" charset="-122"/>
-                <a:ea typeface="华文楷体" panose="02010600040101010101" charset="-122"/>
-                <a:cs typeface="华文楷体" panose="02010600040101010101" charset="-122"/>
-              </a:rPr>
-              <a:t>input</a:t>
-            </a:r>
-            <a:r>
-              <a:rPr lang="zh-CN" altLang="en-US" sz="2000" b="1" dirty="0">
-                <a:solidFill>
-                  <a:srgbClr val="FFC000"/>
-                </a:solidFill>
-                <a:latin typeface="华文楷体" panose="02010600040101010101" charset="-122"/>
-                <a:ea typeface="华文楷体" panose="02010600040101010101" charset="-122"/>
-                <a:cs typeface="华文楷体" panose="02010600040101010101" charset="-122"/>
-              </a:rPr>
-              <a:t>标签常用属性</a:t>
-            </a:r>
-            <a:endParaRPr lang="zh-CN" altLang="en-US" sz="2000" b="1" dirty="0">
-              <a:solidFill>
-                <a:srgbClr val="FFC000"/>
-              </a:solidFill>
-              <a:latin typeface="华文楷体" panose="02010600040101010101" charset="-122"/>
-              <a:ea typeface="华文楷体" panose="02010600040101010101" charset="-122"/>
-              <a:cs typeface="华文楷体" panose="02010600040101010101" charset="-122"/>
-            </a:endParaRPr>
-          </a:p>
-          <a:p>
-            <a:pPr algn="l"/>
-            <a:r>
-              <a:rPr lang="en-US" altLang="zh-CN" sz="2000" b="1" dirty="0">
-                <a:solidFill>
-                  <a:srgbClr val="FFC000"/>
-                </a:solidFill>
-                <a:latin typeface="华文楷体" panose="02010600040101010101" charset="-122"/>
-                <a:ea typeface="华文楷体" panose="02010600040101010101" charset="-122"/>
-                <a:cs typeface="华文楷体" panose="02010600040101010101" charset="-122"/>
-              </a:rPr>
-              <a:t>	</a:t>
-            </a:r>
-            <a:r>
-              <a:rPr lang="en-US" altLang="zh-CN" sz="2800" b="1" dirty="0">
-                <a:solidFill>
-                  <a:srgbClr val="92D050"/>
-                </a:solidFill>
-                <a:latin typeface="华文楷体" panose="02010600040101010101" charset="-122"/>
-                <a:ea typeface="华文楷体" panose="02010600040101010101" charset="-122"/>
-                <a:cs typeface="华文楷体" panose="02010600040101010101" charset="-122"/>
-              </a:rPr>
-              <a:t>type	name	 value</a:t>
-            </a:r>
-            <a:endParaRPr lang="en-US" altLang="zh-CN" sz="2800" b="1" dirty="0">
-              <a:solidFill>
-                <a:srgbClr val="92D050"/>
-              </a:solidFill>
-              <a:latin typeface="华文楷体" panose="02010600040101010101" charset="-122"/>
-              <a:ea typeface="华文楷体" panose="02010600040101010101" charset="-122"/>
-              <a:cs typeface="华文楷体" panose="02010600040101010101" charset="-122"/>
-            </a:endParaRPr>
-          </a:p>
-          <a:p>
-            <a:pPr algn="l"/>
-            <a:endParaRPr lang="zh-CN" altLang="en-US" sz="2000" b="1" dirty="0">
-              <a:solidFill>
-                <a:srgbClr val="FFC000"/>
-              </a:solidFill>
-              <a:latin typeface="华文楷体" panose="02010600040101010101" charset="-122"/>
-              <a:ea typeface="华文楷体" panose="02010600040101010101" charset="-122"/>
-              <a:cs typeface="华文楷体" panose="02010600040101010101" charset="-122"/>
-            </a:endParaRPr>
-          </a:p>
-          <a:p>
-            <a:pPr algn="l"/>
-            <a:r>
-              <a:rPr lang="zh-CN" altLang="en-US" sz="2000" b="1" dirty="0">
-                <a:solidFill>
-                  <a:srgbClr val="FFC000"/>
-                </a:solidFill>
-                <a:latin typeface="华文楷体" panose="02010600040101010101" charset="-122"/>
-                <a:ea typeface="华文楷体" panose="02010600040101010101" charset="-122"/>
-                <a:cs typeface="华文楷体" panose="02010600040101010101" charset="-122"/>
-              </a:rPr>
-              <a:t>type属性常用值</a:t>
-            </a:r>
-            <a:endParaRPr lang="zh-CN" altLang="en-US" sz="2000" b="1" dirty="0">
-              <a:solidFill>
-                <a:srgbClr val="FFC000"/>
-              </a:solidFill>
-              <a:latin typeface="华文楷体" panose="02010600040101010101" charset="-122"/>
-              <a:ea typeface="华文楷体" panose="02010600040101010101" charset="-122"/>
-              <a:cs typeface="华文楷体" panose="02010600040101010101" charset="-122"/>
-            </a:endParaRPr>
-          </a:p>
-          <a:p>
-            <a:pPr algn="l"/>
-            <a:r>
-              <a:rPr lang="en-US" altLang="zh-CN" sz="2000" b="1" dirty="0">
-                <a:solidFill>
-                  <a:srgbClr val="FFC000"/>
-                </a:solidFill>
-                <a:latin typeface="华文楷体" panose="02010600040101010101" charset="-122"/>
-                <a:ea typeface="华文楷体" panose="02010600040101010101" charset="-122"/>
-                <a:cs typeface="华文楷体" panose="02010600040101010101" charset="-122"/>
-              </a:rPr>
-              <a:t>	 button   checkbox   file    hidden    image  </a:t>
+              <a:t>:</a:t>
             </a:r>
             <a:endParaRPr lang="en-US" altLang="zh-CN" sz="2000" b="1" dirty="0">
               <a:solidFill>
                 <a:srgbClr val="FFC000"/>
               </a:solidFill>
-              <a:latin typeface="华文楷体" panose="02010600040101010101" charset="-122"/>
-              <a:ea typeface="华文楷体" panose="02010600040101010101" charset="-122"/>
+              <a:latin typeface="微软雅黑" panose="020B0503020204020204" pitchFamily="34" charset="-122"/>
+              <a:ea typeface="微软雅黑" panose="020B0503020204020204" pitchFamily="34" charset="-122"/>
               <a:cs typeface="华文楷体" panose="02010600040101010101" charset="-122"/>
             </a:endParaRPr>
           </a:p>
+        </p:txBody>
+      </p:sp>
+      <p:sp>
+        <p:nvSpPr>
+          <p:cNvPr id="2" name="文本框 1"/>
+          <p:cNvSpPr txBox="1"/>
+          <p:nvPr/>
+        </p:nvSpPr>
+        <p:spPr>
+          <a:xfrm>
+            <a:off x="1545590" y="2701925"/>
+            <a:ext cx="6863715" cy="398780"/>
+          </a:xfrm>
+          <a:prstGeom prst="rect">
+            <a:avLst/>
+          </a:prstGeom>
+          <a:noFill/>
+        </p:spPr>
+        <p:txBody>
+          <a:bodyPr wrap="square" rtlCol="0">
+            <a:spAutoFit/>
+          </a:bodyPr>
           <a:p>
             <a:pPr algn="l"/>
             <a:r>
-              <a:rPr lang="en-US" altLang="zh-CN" sz="2000" b="1" dirty="0">
+              <a:rPr lang="zh-CN" altLang="en-US" sz="2000" b="1" dirty="0">
                 <a:solidFill>
                   <a:srgbClr val="FFC000"/>
                 </a:solidFill>
-                <a:latin typeface="华文楷体" panose="02010600040101010101" charset="-122"/>
-                <a:ea typeface="华文楷体" panose="02010600040101010101" charset="-122"/>
+                <a:latin typeface="微软雅黑" panose="020B0503020204020204" pitchFamily="34" charset="-122"/>
+                <a:ea typeface="微软雅黑" panose="020B0503020204020204" pitchFamily="34" charset="-122"/>
                 <a:cs typeface="华文楷体" panose="02010600040101010101" charset="-122"/>
               </a:rPr>
-              <a:t>	 password    radio    reset   submit   text</a:t>
+              <a:t>相对路径</a:t>
+            </a:r>
+            <a:r>
+              <a:rPr lang="en-US" altLang="zh-CN" sz="2000" b="1" dirty="0">
+                <a:solidFill>
+                  <a:srgbClr val="FFC000"/>
+                </a:solidFill>
+                <a:latin typeface="微软雅黑" panose="020B0503020204020204" pitchFamily="34" charset="-122"/>
+                <a:ea typeface="微软雅黑" panose="020B0503020204020204" pitchFamily="34" charset="-122"/>
+                <a:cs typeface="华文楷体" panose="02010600040101010101" charset="-122"/>
+              </a:rPr>
+              <a:t>:</a:t>
             </a:r>
             <a:endParaRPr lang="en-US" altLang="zh-CN" sz="2000" b="1" dirty="0">
               <a:solidFill>
                 <a:srgbClr val="FFC000"/>
               </a:solidFill>
-              <a:latin typeface="华文楷体" panose="02010600040101010101" charset="-122"/>
-              <a:ea typeface="华文楷体" panose="02010600040101010101" charset="-122"/>
+              <a:latin typeface="微软雅黑" panose="020B0503020204020204" pitchFamily="34" charset="-122"/>
+              <a:ea typeface="微软雅黑" panose="020B0503020204020204" pitchFamily="34" charset="-122"/>
               <a:cs typeface="华文楷体" panose="02010600040101010101" charset="-122"/>
             </a:endParaRPr>
           </a:p>
@@ -14497,14 +13937,14 @@
           <a:p>
             <a:pPr algn="ctr"/>
             <a:r>
-              <a:rPr lang="en-US" altLang="zh-CN" sz="2800" b="1" dirty="0">
+              <a:rPr lang="en-US" sz="2800" b="1" dirty="0">
                 <a:solidFill>
                   <a:srgbClr val="FFC000"/>
                 </a:solidFill>
                 <a:latin typeface="仿宋" panose="02010609060101010101" pitchFamily="49" charset="-122"/>
                 <a:ea typeface="仿宋" panose="02010609060101010101" pitchFamily="49" charset="-122"/>
               </a:rPr>
-              <a:t>label</a:t>
+              <a:t>link</a:t>
             </a:r>
             <a:r>
               <a:rPr lang="zh-CN" altLang="en-US" sz="2800" b="1" dirty="0">
@@ -14514,9 +13954,19 @@
                 <a:latin typeface="仿宋" panose="02010609060101010101" pitchFamily="49" charset="-122"/>
                 <a:ea typeface="仿宋" panose="02010609060101010101" pitchFamily="49" charset="-122"/>
               </a:rPr>
-              <a:t>标签介绍</a:t>
-            </a:r>
-            <a:endParaRPr lang="zh-CN" altLang="en-US" sz="2800" b="1" dirty="0">
+              <a:t>标签引入</a:t>
+            </a:r>
+            <a:r>
+              <a:rPr lang="en-US" altLang="zh-CN" sz="2800" b="1" dirty="0">
+                <a:solidFill>
+                  <a:srgbClr val="FFC000"/>
+                </a:solidFill>
+                <a:latin typeface="仿宋" panose="02010609060101010101" pitchFamily="49" charset="-122"/>
+                <a:ea typeface="仿宋" panose="02010609060101010101" pitchFamily="49" charset="-122"/>
+              </a:rPr>
+              <a:t>CSS</a:t>
+            </a:r>
+            <a:endParaRPr lang="en-US" altLang="zh-CN" sz="2800" b="1" dirty="0">
               <a:solidFill>
                 <a:srgbClr val="FFC000"/>
               </a:solidFill>
@@ -14534,8 +13984,8 @@
         </p:nvSpPr>
         <p:spPr>
           <a:xfrm>
-            <a:off x="1545590" y="1526540"/>
-            <a:ext cx="6863715" cy="3169285"/>
+            <a:off x="1445260" y="1526540"/>
+            <a:ext cx="7075805" cy="398780"/>
           </a:xfrm>
           <a:prstGeom prst="rect">
             <a:avLst/>
@@ -14558,135 +14008,41 @@
                 <a:ea typeface="微软雅黑" panose="020B0503020204020204" pitchFamily="34" charset="-122"/>
                 <a:cs typeface="华文楷体" panose="02010600040101010101" charset="-122"/>
               </a:rPr>
-              <a:t>&lt;input type=”text” name=”name”/&gt;</a:t>
-            </a:r>
-            <a:endParaRPr lang="en-US" sz="2000" b="1" dirty="0">
-              <a:solidFill>
-                <a:srgbClr val="FFC000"/>
-              </a:solidFill>
-              <a:latin typeface="微软雅黑" panose="020B0503020204020204" pitchFamily="34" charset="-122"/>
-              <a:ea typeface="微软雅黑" panose="020B0503020204020204" pitchFamily="34" charset="-122"/>
-              <a:cs typeface="华文楷体" panose="02010600040101010101" charset="-122"/>
-            </a:endParaRPr>
-          </a:p>
-          <a:p>
-            <a:pPr algn="l"/>
-            <a:endParaRPr lang="en-US" sz="2000" b="1" dirty="0">
-              <a:solidFill>
-                <a:srgbClr val="FFC000"/>
-              </a:solidFill>
-              <a:latin typeface="微软雅黑" panose="020B0503020204020204" pitchFamily="34" charset="-122"/>
-              <a:ea typeface="微软雅黑" panose="020B0503020204020204" pitchFamily="34" charset="-122"/>
-              <a:cs typeface="华文楷体" panose="02010600040101010101" charset="-122"/>
-            </a:endParaRPr>
-          </a:p>
-          <a:p>
-            <a:pPr algn="l"/>
-            <a:r>
-              <a:rPr lang="en-US" sz="2000" b="1" dirty="0">
+              <a:t>&lt;link rel=”stylesheet” href=”</a:t>
+            </a:r>
+            <a:r>
+              <a:rPr lang="zh-CN" altLang="en-US" sz="2000" b="1" dirty="0">
                 <a:solidFill>
                   <a:srgbClr val="FFC000"/>
                 </a:solidFill>
                 <a:latin typeface="微软雅黑" panose="020B0503020204020204" pitchFamily="34" charset="-122"/>
                 <a:ea typeface="微软雅黑" panose="020B0503020204020204" pitchFamily="34" charset="-122"/>
                 <a:cs typeface="华文楷体" panose="02010600040101010101" charset="-122"/>
-                <a:sym typeface="+mn-ea"/>
               </a:rPr>
-              <a:t>&lt;input type=”text” name=”name”/&gt;</a:t>
-            </a:r>
-            <a:endParaRPr lang="en-US" sz="2000" b="1" dirty="0">
-              <a:solidFill>
-                <a:srgbClr val="FFC000"/>
-              </a:solidFill>
-              <a:latin typeface="微软雅黑" panose="020B0503020204020204" pitchFamily="34" charset="-122"/>
-              <a:ea typeface="微软雅黑" panose="020B0503020204020204" pitchFamily="34" charset="-122"/>
-              <a:cs typeface="华文楷体" panose="02010600040101010101" charset="-122"/>
-              <a:sym typeface="+mn-ea"/>
-            </a:endParaRPr>
-          </a:p>
-          <a:p>
-            <a:pPr algn="l"/>
-            <a:endParaRPr lang="en-US" sz="2000" b="1" dirty="0">
-              <a:solidFill>
-                <a:srgbClr val="FFC000"/>
-              </a:solidFill>
-              <a:latin typeface="微软雅黑" panose="020B0503020204020204" pitchFamily="34" charset="-122"/>
-              <a:ea typeface="微软雅黑" panose="020B0503020204020204" pitchFamily="34" charset="-122"/>
-              <a:cs typeface="华文楷体" panose="02010600040101010101" charset="-122"/>
-            </a:endParaRPr>
-          </a:p>
-          <a:p>
-            <a:pPr algn="l"/>
-            <a:r>
-              <a:rPr lang="en-US" sz="2000" b="1" dirty="0">
+              <a:t>相对路径</a:t>
+            </a:r>
+            <a:r>
+              <a:rPr lang="en-US" altLang="zh-CN" sz="2000" b="1" dirty="0">
                 <a:solidFill>
                   <a:srgbClr val="FFC000"/>
                 </a:solidFill>
                 <a:latin typeface="微软雅黑" panose="020B0503020204020204" pitchFamily="34" charset="-122"/>
                 <a:ea typeface="微软雅黑" panose="020B0503020204020204" pitchFamily="34" charset="-122"/>
                 <a:cs typeface="华文楷体" panose="02010600040101010101" charset="-122"/>
-                <a:sym typeface="+mn-ea"/>
               </a:rPr>
-              <a:t>&lt;input type=”text” name=”name”/&gt;</a:t>
-            </a:r>
-            <a:endParaRPr lang="en-US" sz="2000" b="1" dirty="0">
-              <a:solidFill>
-                <a:srgbClr val="FFC000"/>
-              </a:solidFill>
-              <a:latin typeface="微软雅黑" panose="020B0503020204020204" pitchFamily="34" charset="-122"/>
-              <a:ea typeface="微软雅黑" panose="020B0503020204020204" pitchFamily="34" charset="-122"/>
-              <a:cs typeface="华文楷体" panose="02010600040101010101" charset="-122"/>
-              <a:sym typeface="+mn-ea"/>
-            </a:endParaRPr>
-          </a:p>
-          <a:p>
-            <a:pPr algn="l"/>
-            <a:endParaRPr lang="en-US" sz="2000" b="1" dirty="0">
-              <a:solidFill>
-                <a:srgbClr val="FFC000"/>
-              </a:solidFill>
-              <a:latin typeface="微软雅黑" panose="020B0503020204020204" pitchFamily="34" charset="-122"/>
-              <a:ea typeface="微软雅黑" panose="020B0503020204020204" pitchFamily="34" charset="-122"/>
-              <a:cs typeface="华文楷体" panose="02010600040101010101" charset="-122"/>
-            </a:endParaRPr>
-          </a:p>
-          <a:p>
-            <a:pPr algn="l"/>
-            <a:r>
-              <a:rPr lang="en-US" sz="2000" b="1" dirty="0">
+              <a:t>/</a:t>
+            </a:r>
+            <a:r>
+              <a:rPr lang="zh-CN" altLang="en-US" sz="2000" b="1" dirty="0">
                 <a:solidFill>
                   <a:srgbClr val="FFC000"/>
                 </a:solidFill>
                 <a:latin typeface="微软雅黑" panose="020B0503020204020204" pitchFamily="34" charset="-122"/>
                 <a:ea typeface="微软雅黑" panose="020B0503020204020204" pitchFamily="34" charset="-122"/>
                 <a:cs typeface="华文楷体" panose="02010600040101010101" charset="-122"/>
-                <a:sym typeface="+mn-ea"/>
               </a:rPr>
-              <a:t>&lt;input type=”text” name=”name”/&gt;</a:t>
-            </a:r>
-            <a:endParaRPr lang="en-US" sz="2000" b="1" dirty="0">
-              <a:solidFill>
-                <a:srgbClr val="FFC000"/>
-              </a:solidFill>
-              <a:latin typeface="微软雅黑" panose="020B0503020204020204" pitchFamily="34" charset="-122"/>
-              <a:ea typeface="微软雅黑" panose="020B0503020204020204" pitchFamily="34" charset="-122"/>
-              <a:cs typeface="华文楷体" panose="02010600040101010101" charset="-122"/>
-              <a:sym typeface="+mn-ea"/>
-            </a:endParaRPr>
-          </a:p>
-          <a:p>
-            <a:pPr algn="l"/>
-            <a:endParaRPr lang="en-US" sz="2000" b="1" dirty="0">
-              <a:solidFill>
-                <a:srgbClr val="FFC000"/>
-              </a:solidFill>
-              <a:latin typeface="微软雅黑" panose="020B0503020204020204" pitchFamily="34" charset="-122"/>
-              <a:ea typeface="微软雅黑" panose="020B0503020204020204" pitchFamily="34" charset="-122"/>
-              <a:cs typeface="华文楷体" panose="02010600040101010101" charset="-122"/>
-            </a:endParaRPr>
-          </a:p>
-          <a:p>
-            <a:pPr algn="l"/>
+              <a:t>绝对路径</a:t>
+            </a:r>
             <a:r>
               <a:rPr lang="en-US" sz="2000" b="1" dirty="0">
                 <a:solidFill>
@@ -14695,21 +14051,9 @@
                 <a:latin typeface="微软雅黑" panose="020B0503020204020204" pitchFamily="34" charset="-122"/>
                 <a:ea typeface="微软雅黑" panose="020B0503020204020204" pitchFamily="34" charset="-122"/>
                 <a:cs typeface="华文楷体" panose="02010600040101010101" charset="-122"/>
-                <a:sym typeface="+mn-ea"/>
               </a:rPr>
-              <a:t>&lt;input type=”text” name=”name”/&gt;</a:t>
-            </a:r>
-            <a:endParaRPr lang="en-US" sz="2000" b="1" dirty="0">
-              <a:solidFill>
-                <a:srgbClr val="FFC000"/>
-              </a:solidFill>
-              <a:latin typeface="微软雅黑" panose="020B0503020204020204" pitchFamily="34" charset="-122"/>
-              <a:ea typeface="微软雅黑" panose="020B0503020204020204" pitchFamily="34" charset="-122"/>
-              <a:cs typeface="华文楷体" panose="02010600040101010101" charset="-122"/>
-            </a:endParaRPr>
-          </a:p>
-          <a:p>
-            <a:pPr algn="l"/>
+              <a:t>”/&gt;</a:t>
+            </a:r>
             <a:endParaRPr lang="en-US" sz="2000" b="1" dirty="0">
               <a:solidFill>
                 <a:srgbClr val="FFC000"/>
@@ -14974,14 +14318,14 @@
           <a:p>
             <a:pPr algn="ctr"/>
             <a:r>
-              <a:rPr lang="en-US" altLang="zh-CN" sz="2800" b="1" dirty="0">
+              <a:rPr lang="en-US" sz="2800" b="1" dirty="0">
                 <a:solidFill>
                   <a:srgbClr val="FFC000"/>
                 </a:solidFill>
                 <a:latin typeface="仿宋" panose="02010609060101010101" pitchFamily="49" charset="-122"/>
                 <a:ea typeface="仿宋" panose="02010609060101010101" pitchFamily="49" charset="-122"/>
               </a:rPr>
-              <a:t>Input</a:t>
+              <a:t>CSS</a:t>
             </a:r>
             <a:r>
               <a:rPr lang="zh-CN" altLang="en-US" sz="2800" b="1" dirty="0">
@@ -14991,7 +14335,7 @@
                 <a:latin typeface="仿宋" panose="02010609060101010101" pitchFamily="49" charset="-122"/>
                 <a:ea typeface="仿宋" panose="02010609060101010101" pitchFamily="49" charset="-122"/>
               </a:rPr>
-              <a:t>标签介绍</a:t>
+              <a:t>选择器</a:t>
             </a:r>
             <a:endParaRPr lang="zh-CN" altLang="en-US" sz="2800" b="1" dirty="0">
               <a:solidFill>
@@ -15012,7 +14356,7 @@
         <p:spPr>
           <a:xfrm>
             <a:off x="1545590" y="1526540"/>
-            <a:ext cx="6863715" cy="3169285"/>
+            <a:ext cx="6863715" cy="1630045"/>
           </a:xfrm>
           <a:prstGeom prst="rect">
             <a:avLst/>
@@ -15031,162 +14375,165 @@
                 <a:solidFill>
                   <a:srgbClr val="FFC000"/>
                 </a:solidFill>
-                <a:latin typeface="微软雅黑" panose="020B0503020204020204" pitchFamily="34" charset="-122"/>
-                <a:ea typeface="微软雅黑" panose="020B0503020204020204" pitchFamily="34" charset="-122"/>
+                <a:latin typeface="华文楷体" panose="02010600040101010101" charset="-122"/>
+                <a:ea typeface="华文楷体" panose="02010600040101010101" charset="-122"/>
                 <a:cs typeface="华文楷体" panose="02010600040101010101" charset="-122"/>
+                <a:sym typeface="+mn-ea"/>
               </a:rPr>
-              <a:t>&lt;input type=”text” name=”name”/&gt;</a:t>
-            </a:r>
-            <a:endParaRPr lang="en-US" sz="2000" b="1" dirty="0">
+              <a:t>css</a:t>
+            </a:r>
+            <a:r>
+              <a:rPr lang="zh-CN" altLang="en-US" sz="2000" b="1" dirty="0">
+                <a:solidFill>
+                  <a:srgbClr val="FFC000"/>
+                </a:solidFill>
+                <a:latin typeface="华文楷体" panose="02010600040101010101" charset="-122"/>
+                <a:ea typeface="华文楷体" panose="02010600040101010101" charset="-122"/>
+                <a:cs typeface="华文楷体" panose="02010600040101010101" charset="-122"/>
+                <a:sym typeface="+mn-ea"/>
+              </a:rPr>
+              <a:t>选择器</a:t>
+            </a:r>
+            <a:endParaRPr lang="zh-CN" altLang="en-US" sz="2000" b="1" dirty="0">
               <a:solidFill>
                 <a:srgbClr val="FFC000"/>
               </a:solidFill>
-              <a:latin typeface="微软雅黑" panose="020B0503020204020204" pitchFamily="34" charset="-122"/>
-              <a:ea typeface="微软雅黑" panose="020B0503020204020204" pitchFamily="34" charset="-122"/>
+              <a:latin typeface="华文楷体" panose="02010600040101010101" charset="-122"/>
+              <a:ea typeface="华文楷体" panose="02010600040101010101" charset="-122"/>
               <a:cs typeface="华文楷体" panose="02010600040101010101" charset="-122"/>
             </a:endParaRPr>
           </a:p>
           <a:p>
             <a:pPr algn="l"/>
-            <a:endParaRPr lang="en-US" sz="2000" b="1" dirty="0">
+            <a:r>
+              <a:rPr lang="en-US" altLang="zh-CN" sz="2000" b="1" dirty="0">
+                <a:solidFill>
+                  <a:srgbClr val="FFC000"/>
+                </a:solidFill>
+                <a:latin typeface="华文楷体" panose="02010600040101010101" charset="-122"/>
+                <a:ea typeface="华文楷体" panose="02010600040101010101" charset="-122"/>
+                <a:cs typeface="华文楷体" panose="02010600040101010101" charset="-122"/>
+                <a:sym typeface="+mn-ea"/>
+              </a:rPr>
+              <a:t>*</a:t>
+            </a:r>
+            <a:r>
+              <a:rPr lang="zh-CN" altLang="en-US" sz="2000" b="1" dirty="0">
+                <a:solidFill>
+                  <a:srgbClr val="FFC000"/>
+                </a:solidFill>
+                <a:latin typeface="华文楷体" panose="02010600040101010101" charset="-122"/>
+                <a:ea typeface="华文楷体" panose="02010600040101010101" charset="-122"/>
+                <a:cs typeface="华文楷体" panose="02010600040101010101" charset="-122"/>
+                <a:sym typeface="+mn-ea"/>
+              </a:rPr>
+              <a:t>通配符选择器</a:t>
+            </a:r>
+            <a:endParaRPr lang="zh-CN" altLang="en-US" sz="2000" b="1" dirty="0">
               <a:solidFill>
                 <a:srgbClr val="FFC000"/>
               </a:solidFill>
-              <a:latin typeface="微软雅黑" panose="020B0503020204020204" pitchFamily="34" charset="-122"/>
-              <a:ea typeface="微软雅黑" panose="020B0503020204020204" pitchFamily="34" charset="-122"/>
+              <a:latin typeface="华文楷体" panose="02010600040101010101" charset="-122"/>
+              <a:ea typeface="华文楷体" panose="02010600040101010101" charset="-122"/>
               <a:cs typeface="华文楷体" panose="02010600040101010101" charset="-122"/>
             </a:endParaRPr>
           </a:p>
           <a:p>
             <a:pPr algn="l"/>
             <a:r>
-              <a:rPr lang="en-US" sz="2000" b="1" dirty="0">
+              <a:rPr lang="en-US" altLang="zh-CN" sz="2000" b="1" dirty="0">
                 <a:solidFill>
                   <a:srgbClr val="FFC000"/>
                 </a:solidFill>
-                <a:latin typeface="微软雅黑" panose="020B0503020204020204" pitchFamily="34" charset="-122"/>
-                <a:ea typeface="微软雅黑" panose="020B0503020204020204" pitchFamily="34" charset="-122"/>
+                <a:latin typeface="华文楷体" panose="02010600040101010101" charset="-122"/>
+                <a:ea typeface="华文楷体" panose="02010600040101010101" charset="-122"/>
                 <a:cs typeface="华文楷体" panose="02010600040101010101" charset="-122"/>
                 <a:sym typeface="+mn-ea"/>
               </a:rPr>
-              <a:t>&lt;input type=”text” name=”name”/&gt;</a:t>
-            </a:r>
-            <a:endParaRPr lang="en-US" sz="2000" b="1" dirty="0">
+              <a:t>#id</a:t>
+            </a:r>
+            <a:r>
+              <a:rPr lang="zh-CN" altLang="en-US" sz="2000" b="1" dirty="0">
+                <a:solidFill>
+                  <a:srgbClr val="FFC000"/>
+                </a:solidFill>
+                <a:latin typeface="华文楷体" panose="02010600040101010101" charset="-122"/>
+                <a:ea typeface="华文楷体" panose="02010600040101010101" charset="-122"/>
+                <a:cs typeface="华文楷体" panose="02010600040101010101" charset="-122"/>
+                <a:sym typeface="+mn-ea"/>
+              </a:rPr>
+              <a:t>选择器</a:t>
+            </a:r>
+            <a:endParaRPr lang="zh-CN" altLang="en-US" sz="2000" b="1" dirty="0">
               <a:solidFill>
                 <a:srgbClr val="FFC000"/>
               </a:solidFill>
-              <a:latin typeface="微软雅黑" panose="020B0503020204020204" pitchFamily="34" charset="-122"/>
-              <a:ea typeface="微软雅黑" panose="020B0503020204020204" pitchFamily="34" charset="-122"/>
+              <a:latin typeface="华文楷体" panose="02010600040101010101" charset="-122"/>
+              <a:ea typeface="华文楷体" panose="02010600040101010101" charset="-122"/>
               <a:cs typeface="华文楷体" panose="02010600040101010101" charset="-122"/>
-              <a:sym typeface="+mn-ea"/>
             </a:endParaRPr>
           </a:p>
           <a:p>
             <a:pPr algn="l"/>
-            <a:endParaRPr lang="en-US" sz="2000" b="1" dirty="0">
+            <a:r>
+              <a:rPr lang="en-US" altLang="zh-CN" sz="2000" b="1" dirty="0">
+                <a:solidFill>
+                  <a:srgbClr val="FFC000"/>
+                </a:solidFill>
+                <a:latin typeface="华文楷体" panose="02010600040101010101" charset="-122"/>
+                <a:ea typeface="华文楷体" panose="02010600040101010101" charset="-122"/>
+                <a:cs typeface="华文楷体" panose="02010600040101010101" charset="-122"/>
+                <a:sym typeface="+mn-ea"/>
+              </a:rPr>
+              <a:t>.class</a:t>
+            </a:r>
+            <a:r>
+              <a:rPr lang="zh-CN" altLang="en-US" sz="2000" b="1" dirty="0">
+                <a:solidFill>
+                  <a:srgbClr val="FFC000"/>
+                </a:solidFill>
+                <a:latin typeface="华文楷体" panose="02010600040101010101" charset="-122"/>
+                <a:ea typeface="华文楷体" panose="02010600040101010101" charset="-122"/>
+                <a:cs typeface="华文楷体" panose="02010600040101010101" charset="-122"/>
+                <a:sym typeface="+mn-ea"/>
+              </a:rPr>
+              <a:t>类选择器</a:t>
+            </a:r>
+            <a:endParaRPr lang="zh-CN" altLang="en-US" sz="2000" b="1" dirty="0">
               <a:solidFill>
                 <a:srgbClr val="FFC000"/>
               </a:solidFill>
-              <a:latin typeface="微软雅黑" panose="020B0503020204020204" pitchFamily="34" charset="-122"/>
-              <a:ea typeface="微软雅黑" panose="020B0503020204020204" pitchFamily="34" charset="-122"/>
+              <a:latin typeface="华文楷体" panose="02010600040101010101" charset="-122"/>
+              <a:ea typeface="华文楷体" panose="02010600040101010101" charset="-122"/>
               <a:cs typeface="华文楷体" panose="02010600040101010101" charset="-122"/>
             </a:endParaRPr>
           </a:p>
           <a:p>
             <a:pPr algn="l"/>
             <a:r>
-              <a:rPr lang="en-US" sz="2000" b="1" dirty="0">
+              <a:rPr lang="en-US" altLang="zh-CN" sz="2000" b="1" dirty="0">
                 <a:solidFill>
                   <a:srgbClr val="FFC000"/>
                 </a:solidFill>
-                <a:latin typeface="微软雅黑" panose="020B0503020204020204" pitchFamily="34" charset="-122"/>
-                <a:ea typeface="微软雅黑" panose="020B0503020204020204" pitchFamily="34" charset="-122"/>
+                <a:latin typeface="华文楷体" panose="02010600040101010101" charset="-122"/>
+                <a:ea typeface="华文楷体" panose="02010600040101010101" charset="-122"/>
                 <a:cs typeface="华文楷体" panose="02010600040101010101" charset="-122"/>
                 <a:sym typeface="+mn-ea"/>
               </a:rPr>
-              <a:t>&lt;input type=”text” name=”name”/&gt;</a:t>
-            </a:r>
-            <a:endParaRPr lang="en-US" sz="2000" b="1" dirty="0">
-              <a:solidFill>
-                <a:srgbClr val="FFC000"/>
-              </a:solidFill>
-              <a:latin typeface="微软雅黑" panose="020B0503020204020204" pitchFamily="34" charset="-122"/>
-              <a:ea typeface="微软雅黑" panose="020B0503020204020204" pitchFamily="34" charset="-122"/>
-              <a:cs typeface="华文楷体" panose="02010600040101010101" charset="-122"/>
-              <a:sym typeface="+mn-ea"/>
-            </a:endParaRPr>
-          </a:p>
-          <a:p>
-            <a:pPr algn="l"/>
-            <a:endParaRPr lang="en-US" sz="2000" b="1" dirty="0">
-              <a:solidFill>
-                <a:srgbClr val="FFC000"/>
-              </a:solidFill>
-              <a:latin typeface="微软雅黑" panose="020B0503020204020204" pitchFamily="34" charset="-122"/>
-              <a:ea typeface="微软雅黑" panose="020B0503020204020204" pitchFamily="34" charset="-122"/>
-              <a:cs typeface="华文楷体" panose="02010600040101010101" charset="-122"/>
-            </a:endParaRPr>
-          </a:p>
-          <a:p>
-            <a:pPr algn="l"/>
-            <a:r>
-              <a:rPr lang="en-US" sz="2000" b="1" dirty="0">
+              <a:t>p</a:t>
+            </a:r>
+            <a:r>
+              <a:rPr lang="zh-CN" altLang="en-US" sz="2000" b="1" dirty="0">
                 <a:solidFill>
                   <a:srgbClr val="FFC000"/>
                 </a:solidFill>
-                <a:latin typeface="微软雅黑" panose="020B0503020204020204" pitchFamily="34" charset="-122"/>
-                <a:ea typeface="微软雅黑" panose="020B0503020204020204" pitchFamily="34" charset="-122"/>
+                <a:latin typeface="华文楷体" panose="02010600040101010101" charset="-122"/>
+                <a:ea typeface="华文楷体" panose="02010600040101010101" charset="-122"/>
                 <a:cs typeface="华文楷体" panose="02010600040101010101" charset="-122"/>
                 <a:sym typeface="+mn-ea"/>
               </a:rPr>
-              <a:t>&lt;input type=”text” name=”name”/&gt;</a:t>
-            </a:r>
-            <a:endParaRPr lang="en-US" sz="2000" b="1" dirty="0">
-              <a:solidFill>
-                <a:srgbClr val="FFC000"/>
-              </a:solidFill>
-              <a:latin typeface="微软雅黑" panose="020B0503020204020204" pitchFamily="34" charset="-122"/>
-              <a:ea typeface="微软雅黑" panose="020B0503020204020204" pitchFamily="34" charset="-122"/>
-              <a:cs typeface="华文楷体" panose="02010600040101010101" charset="-122"/>
-              <a:sym typeface="+mn-ea"/>
-            </a:endParaRPr>
-          </a:p>
-          <a:p>
-            <a:pPr algn="l"/>
-            <a:endParaRPr lang="en-US" sz="2000" b="1" dirty="0">
-              <a:solidFill>
-                <a:srgbClr val="FFC000"/>
-              </a:solidFill>
-              <a:latin typeface="微软雅黑" panose="020B0503020204020204" pitchFamily="34" charset="-122"/>
-              <a:ea typeface="微软雅黑" panose="020B0503020204020204" pitchFamily="34" charset="-122"/>
-              <a:cs typeface="华文楷体" panose="02010600040101010101" charset="-122"/>
-            </a:endParaRPr>
-          </a:p>
-          <a:p>
-            <a:pPr algn="l"/>
-            <a:r>
-              <a:rPr lang="en-US" sz="2000" b="1" dirty="0">
-                <a:solidFill>
-                  <a:srgbClr val="FFC000"/>
-                </a:solidFill>
-                <a:latin typeface="微软雅黑" panose="020B0503020204020204" pitchFamily="34" charset="-122"/>
-                <a:ea typeface="微软雅黑" panose="020B0503020204020204" pitchFamily="34" charset="-122"/>
-                <a:cs typeface="华文楷体" panose="02010600040101010101" charset="-122"/>
-                <a:sym typeface="+mn-ea"/>
-              </a:rPr>
-              <a:t>&lt;input type=”text” name=”name”/&gt;</a:t>
-            </a:r>
-            <a:endParaRPr lang="en-US" sz="2000" b="1" dirty="0">
-              <a:solidFill>
-                <a:srgbClr val="FFC000"/>
-              </a:solidFill>
-              <a:latin typeface="微软雅黑" panose="020B0503020204020204" pitchFamily="34" charset="-122"/>
-              <a:ea typeface="微软雅黑" panose="020B0503020204020204" pitchFamily="34" charset="-122"/>
-              <a:cs typeface="华文楷体" panose="02010600040101010101" charset="-122"/>
-            </a:endParaRPr>
-          </a:p>
-          <a:p>
-            <a:pPr algn="l"/>
+              <a:t>标签选择器</a:t>
+            </a:r>
             <a:endParaRPr lang="en-US" sz="2000" b="1" dirty="0">
               <a:solidFill>
                 <a:srgbClr val="FFC000"/>

--- a/html/class/lesson_five/lesson_five.pptx
+++ b/html/class/lesson_five/lesson_five.pptx
@@ -13071,7 +13071,7 @@
                 <a:latin typeface="微软雅黑" panose="020B0503020204020204" pitchFamily="34" charset="-122"/>
                 <a:ea typeface="微软雅黑" panose="020B0503020204020204" pitchFamily="34" charset="-122"/>
               </a:rPr>
-              <a:t>选择器</a:t>
+              <a:t>选择器第一季</a:t>
             </a:r>
             <a:endParaRPr lang="zh-CN" altLang="en-US" sz="2800" b="1" dirty="0">
               <a:solidFill>
